--- a/Risky NIST ecommerce.pptx
+++ b/Risky NIST ecommerce.pptx
@@ -7927,530 +7927,6 @@
       <dsp:cNvGrpSpPr/>
     </dsp:nvGrpSpPr>
     <dsp:grpSpPr/>
-    <dsp:sp modelId="{3B6E598B-6DAE-4E70-85F2-82CA2A4C7810}">
-      <dsp:nvSpPr>
-        <dsp:cNvPr id="0" name=""/>
-        <dsp:cNvSpPr/>
-      </dsp:nvSpPr>
-      <dsp:spPr>
-        <a:xfrm>
-          <a:off x="1812" y="0"/>
-          <a:ext cx="1899456" cy="4114800"/>
-        </a:xfrm>
-        <a:prstGeom prst="roundRect">
-          <a:avLst>
-            <a:gd name="adj" fmla="val 10000"/>
-          </a:avLst>
-        </a:prstGeom>
-        <a:solidFill>
-          <a:schemeClr val="tx2">
-            <a:lumMod val="60000"/>
-            <a:lumOff val="40000"/>
-          </a:schemeClr>
-        </a:solidFill>
-        <a:ln w="25400" cap="flat" cmpd="sng" algn="ctr">
-          <a:solidFill>
-            <a:schemeClr val="lt1">
-              <a:hueOff val="0"/>
-              <a:satOff val="0"/>
-              <a:lumOff val="0"/>
-              <a:alphaOff val="0"/>
-            </a:schemeClr>
-          </a:solidFill>
-          <a:prstDash val="solid"/>
-        </a:ln>
-        <a:effectLst/>
-      </dsp:spPr>
-      <dsp:style>
-        <a:lnRef idx="2">
-          <a:scrgbClr r="0" g="0" b="0"/>
-        </a:lnRef>
-        <a:fillRef idx="1">
-          <a:scrgbClr r="0" g="0" b="0"/>
-        </a:fillRef>
-        <a:effectRef idx="0">
-          <a:scrgbClr r="0" g="0" b="0"/>
-        </a:effectRef>
-        <a:fontRef idx="minor">
-          <a:schemeClr val="lt1"/>
-        </a:fontRef>
-      </dsp:style>
-      <dsp:txBody>
-        <a:bodyPr spcFirstLastPara="0" vert="horz" wrap="square" lIns="213360" tIns="213360" rIns="213360" bIns="213360" numCol="1" spcCol="1270" anchor="ctr" anchorCtr="0">
-          <a:noAutofit/>
-        </a:bodyPr>
-        <a:lstStyle/>
-        <a:p>
-          <a:pPr lvl="0" algn="ctr" defTabSz="1333500" rtl="0">
-            <a:lnSpc>
-              <a:spcPct val="90000"/>
-            </a:lnSpc>
-            <a:spcBef>
-              <a:spcPct val="0"/>
-            </a:spcBef>
-            <a:spcAft>
-              <a:spcPct val="35000"/>
-            </a:spcAft>
-          </a:pPr>
-          <a:r>
-            <a:rPr lang="en-US" sz="3000" kern="1200" dirty="0" smtClean="0"/>
-            <a:t>Accept</a:t>
-          </a:r>
-          <a:endParaRPr lang="en-US" sz="3000" kern="1200" dirty="0"/>
-        </a:p>
-      </dsp:txBody>
-      <dsp:txXfrm>
-        <a:off x="1812" y="1645920"/>
-        <a:ext cx="1899456" cy="1645920"/>
-      </dsp:txXfrm>
-    </dsp:sp>
-    <dsp:sp modelId="{2A8D8CDC-2693-45FA-A5DB-2F3FB698E234}">
-      <dsp:nvSpPr>
-        <dsp:cNvPr id="0" name=""/>
-        <dsp:cNvSpPr/>
-      </dsp:nvSpPr>
-      <dsp:spPr>
-        <a:xfrm>
-          <a:off x="266426" y="246888"/>
-          <a:ext cx="1370228" cy="1370228"/>
-        </a:xfrm>
-        <a:prstGeom prst="ellipse">
-          <a:avLst/>
-        </a:prstGeom>
-        <a:solidFill>
-          <a:schemeClr val="accent1"/>
-        </a:solidFill>
-        <a:ln w="25400" cap="flat" cmpd="sng" algn="ctr">
-          <a:solidFill>
-            <a:schemeClr val="lt1">
-              <a:hueOff val="0"/>
-              <a:satOff val="0"/>
-              <a:lumOff val="0"/>
-              <a:alphaOff val="0"/>
-            </a:schemeClr>
-          </a:solidFill>
-          <a:prstDash val="solid"/>
-        </a:ln>
-        <a:effectLst/>
-      </dsp:spPr>
-      <dsp:style>
-        <a:lnRef idx="2">
-          <a:scrgbClr r="0" g="0" b="0"/>
-        </a:lnRef>
-        <a:fillRef idx="1">
-          <a:scrgbClr r="0" g="0" b="0"/>
-        </a:fillRef>
-        <a:effectRef idx="0">
-          <a:scrgbClr r="0" g="0" b="0"/>
-        </a:effectRef>
-        <a:fontRef idx="minor"/>
-      </dsp:style>
-    </dsp:sp>
-    <dsp:sp modelId="{03DD43EF-493F-40C1-916C-B1F6C5B7EB71}">
-      <dsp:nvSpPr>
-        <dsp:cNvPr id="0" name=""/>
-        <dsp:cNvSpPr/>
-      </dsp:nvSpPr>
-      <dsp:spPr>
-        <a:xfrm>
-          <a:off x="1958252" y="0"/>
-          <a:ext cx="1899456" cy="4114800"/>
-        </a:xfrm>
-        <a:prstGeom prst="roundRect">
-          <a:avLst>
-            <a:gd name="adj" fmla="val 10000"/>
-          </a:avLst>
-        </a:prstGeom>
-        <a:solidFill>
-          <a:schemeClr val="tx2">
-            <a:lumMod val="60000"/>
-            <a:lumOff val="40000"/>
-          </a:schemeClr>
-        </a:solidFill>
-        <a:ln w="25400" cap="flat" cmpd="sng" algn="ctr">
-          <a:solidFill>
-            <a:schemeClr val="lt1">
-              <a:hueOff val="0"/>
-              <a:satOff val="0"/>
-              <a:lumOff val="0"/>
-              <a:alphaOff val="0"/>
-            </a:schemeClr>
-          </a:solidFill>
-          <a:prstDash val="solid"/>
-        </a:ln>
-        <a:effectLst/>
-      </dsp:spPr>
-      <dsp:style>
-        <a:lnRef idx="2">
-          <a:scrgbClr r="0" g="0" b="0"/>
-        </a:lnRef>
-        <a:fillRef idx="1">
-          <a:scrgbClr r="0" g="0" b="0"/>
-        </a:fillRef>
-        <a:effectRef idx="0">
-          <a:scrgbClr r="0" g="0" b="0"/>
-        </a:effectRef>
-        <a:fontRef idx="minor">
-          <a:schemeClr val="lt1"/>
-        </a:fontRef>
-      </dsp:style>
-      <dsp:txBody>
-        <a:bodyPr spcFirstLastPara="0" vert="horz" wrap="square" lIns="213360" tIns="213360" rIns="213360" bIns="213360" numCol="1" spcCol="1270" anchor="ctr" anchorCtr="0">
-          <a:noAutofit/>
-        </a:bodyPr>
-        <a:lstStyle/>
-        <a:p>
-          <a:pPr lvl="0" algn="ctr" defTabSz="1333500" rtl="0">
-            <a:lnSpc>
-              <a:spcPct val="90000"/>
-            </a:lnSpc>
-            <a:spcBef>
-              <a:spcPct val="0"/>
-            </a:spcBef>
-            <a:spcAft>
-              <a:spcPct val="35000"/>
-            </a:spcAft>
-          </a:pPr>
-          <a:r>
-            <a:rPr lang="en-US" sz="3000" kern="1200" dirty="0" smtClean="0"/>
-            <a:t>Mitigate</a:t>
-          </a:r>
-          <a:endParaRPr lang="en-US" sz="3000" kern="1200" dirty="0"/>
-        </a:p>
-      </dsp:txBody>
-      <dsp:txXfrm>
-        <a:off x="1958252" y="1645920"/>
-        <a:ext cx="1899456" cy="1645920"/>
-      </dsp:txXfrm>
-    </dsp:sp>
-    <dsp:sp modelId="{0EB90672-926F-4CC4-AE7E-CAB8102CB5FF}">
-      <dsp:nvSpPr>
-        <dsp:cNvPr id="0" name=""/>
-        <dsp:cNvSpPr/>
-      </dsp:nvSpPr>
-      <dsp:spPr>
-        <a:xfrm>
-          <a:off x="2222865" y="246888"/>
-          <a:ext cx="1370228" cy="1370228"/>
-        </a:xfrm>
-        <a:prstGeom prst="ellipse">
-          <a:avLst/>
-        </a:prstGeom>
-        <a:solidFill>
-          <a:schemeClr val="accent1"/>
-        </a:solidFill>
-        <a:ln w="25400" cap="flat" cmpd="sng" algn="ctr">
-          <a:solidFill>
-            <a:schemeClr val="lt1">
-              <a:hueOff val="0"/>
-              <a:satOff val="0"/>
-              <a:lumOff val="0"/>
-              <a:alphaOff val="0"/>
-            </a:schemeClr>
-          </a:solidFill>
-          <a:prstDash val="solid"/>
-        </a:ln>
-        <a:effectLst/>
-      </dsp:spPr>
-      <dsp:style>
-        <a:lnRef idx="2">
-          <a:scrgbClr r="0" g="0" b="0"/>
-        </a:lnRef>
-        <a:fillRef idx="1">
-          <a:scrgbClr r="0" g="0" b="0"/>
-        </a:fillRef>
-        <a:effectRef idx="0">
-          <a:scrgbClr r="0" g="0" b="0"/>
-        </a:effectRef>
-        <a:fontRef idx="minor"/>
-      </dsp:style>
-    </dsp:sp>
-    <dsp:sp modelId="{8053CA77-5317-4462-A3CA-E5C7A877E298}">
-      <dsp:nvSpPr>
-        <dsp:cNvPr id="0" name=""/>
-        <dsp:cNvSpPr/>
-      </dsp:nvSpPr>
-      <dsp:spPr>
-        <a:xfrm>
-          <a:off x="3914691" y="0"/>
-          <a:ext cx="1899456" cy="4114800"/>
-        </a:xfrm>
-        <a:prstGeom prst="roundRect">
-          <a:avLst>
-            <a:gd name="adj" fmla="val 10000"/>
-          </a:avLst>
-        </a:prstGeom>
-        <a:solidFill>
-          <a:schemeClr val="tx2">
-            <a:lumMod val="60000"/>
-            <a:lumOff val="40000"/>
-          </a:schemeClr>
-        </a:solidFill>
-        <a:ln w="25400" cap="flat" cmpd="sng" algn="ctr">
-          <a:solidFill>
-            <a:schemeClr val="lt1">
-              <a:hueOff val="0"/>
-              <a:satOff val="0"/>
-              <a:lumOff val="0"/>
-              <a:alphaOff val="0"/>
-            </a:schemeClr>
-          </a:solidFill>
-          <a:prstDash val="solid"/>
-        </a:ln>
-        <a:effectLst/>
-      </dsp:spPr>
-      <dsp:style>
-        <a:lnRef idx="2">
-          <a:scrgbClr r="0" g="0" b="0"/>
-        </a:lnRef>
-        <a:fillRef idx="1">
-          <a:scrgbClr r="0" g="0" b="0"/>
-        </a:fillRef>
-        <a:effectRef idx="0">
-          <a:scrgbClr r="0" g="0" b="0"/>
-        </a:effectRef>
-        <a:fontRef idx="minor">
-          <a:schemeClr val="lt1"/>
-        </a:fontRef>
-      </dsp:style>
-      <dsp:txBody>
-        <a:bodyPr spcFirstLastPara="0" vert="horz" wrap="square" lIns="213360" tIns="213360" rIns="213360" bIns="213360" numCol="1" spcCol="1270" anchor="ctr" anchorCtr="0">
-          <a:noAutofit/>
-        </a:bodyPr>
-        <a:lstStyle/>
-        <a:p>
-          <a:pPr lvl="0" algn="ctr" defTabSz="1333500" rtl="0">
-            <a:lnSpc>
-              <a:spcPct val="90000"/>
-            </a:lnSpc>
-            <a:spcBef>
-              <a:spcPct val="0"/>
-            </a:spcBef>
-            <a:spcAft>
-              <a:spcPct val="35000"/>
-            </a:spcAft>
-          </a:pPr>
-          <a:r>
-            <a:rPr lang="en-US" sz="3000" kern="1200" dirty="0" smtClean="0"/>
-            <a:t>Share or transfer</a:t>
-          </a:r>
-          <a:endParaRPr lang="en-US" sz="3000" kern="1200" dirty="0"/>
-        </a:p>
-      </dsp:txBody>
-      <dsp:txXfrm>
-        <a:off x="3914691" y="1645920"/>
-        <a:ext cx="1899456" cy="1645920"/>
-      </dsp:txXfrm>
-    </dsp:sp>
-    <dsp:sp modelId="{8A61A120-ECD6-4F28-B03A-F8EFFF381FC1}">
-      <dsp:nvSpPr>
-        <dsp:cNvPr id="0" name=""/>
-        <dsp:cNvSpPr/>
-      </dsp:nvSpPr>
-      <dsp:spPr>
-        <a:xfrm>
-          <a:off x="4179305" y="246888"/>
-          <a:ext cx="1370228" cy="1370228"/>
-        </a:xfrm>
-        <a:prstGeom prst="ellipse">
-          <a:avLst/>
-        </a:prstGeom>
-        <a:solidFill>
-          <a:schemeClr val="accent1"/>
-        </a:solidFill>
-        <a:ln w="25400" cap="flat" cmpd="sng" algn="ctr">
-          <a:solidFill>
-            <a:schemeClr val="lt1">
-              <a:hueOff val="0"/>
-              <a:satOff val="0"/>
-              <a:lumOff val="0"/>
-              <a:alphaOff val="0"/>
-            </a:schemeClr>
-          </a:solidFill>
-          <a:prstDash val="solid"/>
-        </a:ln>
-        <a:effectLst/>
-      </dsp:spPr>
-      <dsp:style>
-        <a:lnRef idx="2">
-          <a:scrgbClr r="0" g="0" b="0"/>
-        </a:lnRef>
-        <a:fillRef idx="1">
-          <a:scrgbClr r="0" g="0" b="0"/>
-        </a:fillRef>
-        <a:effectRef idx="0">
-          <a:scrgbClr r="0" g="0" b="0"/>
-        </a:effectRef>
-        <a:fontRef idx="minor"/>
-      </dsp:style>
-    </dsp:sp>
-    <dsp:sp modelId="{47792184-9268-40B5-9D88-F160D92AFB5B}">
-      <dsp:nvSpPr>
-        <dsp:cNvPr id="0" name=""/>
-        <dsp:cNvSpPr/>
-      </dsp:nvSpPr>
-      <dsp:spPr>
-        <a:xfrm>
-          <a:off x="5871131" y="0"/>
-          <a:ext cx="1899456" cy="4114800"/>
-        </a:xfrm>
-        <a:prstGeom prst="roundRect">
-          <a:avLst>
-            <a:gd name="adj" fmla="val 10000"/>
-          </a:avLst>
-        </a:prstGeom>
-        <a:solidFill>
-          <a:schemeClr val="tx2">
-            <a:lumMod val="60000"/>
-            <a:lumOff val="40000"/>
-          </a:schemeClr>
-        </a:solidFill>
-        <a:ln w="25400" cap="flat" cmpd="sng" algn="ctr">
-          <a:solidFill>
-            <a:schemeClr val="lt1">
-              <a:hueOff val="0"/>
-              <a:satOff val="0"/>
-              <a:lumOff val="0"/>
-              <a:alphaOff val="0"/>
-            </a:schemeClr>
-          </a:solidFill>
-          <a:prstDash val="solid"/>
-        </a:ln>
-        <a:effectLst/>
-      </dsp:spPr>
-      <dsp:style>
-        <a:lnRef idx="2">
-          <a:scrgbClr r="0" g="0" b="0"/>
-        </a:lnRef>
-        <a:fillRef idx="1">
-          <a:scrgbClr r="0" g="0" b="0"/>
-        </a:fillRef>
-        <a:effectRef idx="0">
-          <a:scrgbClr r="0" g="0" b="0"/>
-        </a:effectRef>
-        <a:fontRef idx="minor">
-          <a:schemeClr val="lt1"/>
-        </a:fontRef>
-      </dsp:style>
-      <dsp:txBody>
-        <a:bodyPr spcFirstLastPara="0" vert="horz" wrap="square" lIns="213360" tIns="213360" rIns="213360" bIns="213360" numCol="1" spcCol="1270" anchor="ctr" anchorCtr="0">
-          <a:noAutofit/>
-        </a:bodyPr>
-        <a:lstStyle/>
-        <a:p>
-          <a:pPr lvl="0" algn="ctr" defTabSz="1333500" rtl="0">
-            <a:lnSpc>
-              <a:spcPct val="90000"/>
-            </a:lnSpc>
-            <a:spcBef>
-              <a:spcPct val="0"/>
-            </a:spcBef>
-            <a:spcAft>
-              <a:spcPct val="35000"/>
-            </a:spcAft>
-          </a:pPr>
-          <a:r>
-            <a:rPr lang="en-US" sz="3000" kern="1200" dirty="0" smtClean="0"/>
-            <a:t>Avoid</a:t>
-          </a:r>
-          <a:endParaRPr lang="en-US" sz="3000" kern="1200" dirty="0"/>
-        </a:p>
-      </dsp:txBody>
-      <dsp:txXfrm>
-        <a:off x="5871131" y="1645920"/>
-        <a:ext cx="1899456" cy="1645920"/>
-      </dsp:txXfrm>
-    </dsp:sp>
-    <dsp:sp modelId="{9160D8AD-FA4F-4339-AA97-C7C7D484EF35}">
-      <dsp:nvSpPr>
-        <dsp:cNvPr id="0" name=""/>
-        <dsp:cNvSpPr/>
-      </dsp:nvSpPr>
-      <dsp:spPr>
-        <a:xfrm>
-          <a:off x="6135745" y="246888"/>
-          <a:ext cx="1370228" cy="1370228"/>
-        </a:xfrm>
-        <a:prstGeom prst="ellipse">
-          <a:avLst/>
-        </a:prstGeom>
-        <a:solidFill>
-          <a:schemeClr val="accent1"/>
-        </a:solidFill>
-        <a:ln w="25400" cap="flat" cmpd="sng" algn="ctr">
-          <a:solidFill>
-            <a:schemeClr val="lt1">
-              <a:hueOff val="0"/>
-              <a:satOff val="0"/>
-              <a:lumOff val="0"/>
-              <a:alphaOff val="0"/>
-            </a:schemeClr>
-          </a:solidFill>
-          <a:prstDash val="solid"/>
-        </a:ln>
-        <a:effectLst/>
-      </dsp:spPr>
-      <dsp:style>
-        <a:lnRef idx="2">
-          <a:scrgbClr r="0" g="0" b="0"/>
-        </a:lnRef>
-        <a:fillRef idx="1">
-          <a:scrgbClr r="0" g="0" b="0"/>
-        </a:fillRef>
-        <a:effectRef idx="0">
-          <a:scrgbClr r="0" g="0" b="0"/>
-        </a:effectRef>
-        <a:fontRef idx="minor"/>
-      </dsp:style>
-    </dsp:sp>
-    <dsp:sp modelId="{EFFB8FFC-E0FB-4159-A3A6-9AA5DF9FEC72}">
-      <dsp:nvSpPr>
-        <dsp:cNvPr id="0" name=""/>
-        <dsp:cNvSpPr/>
-      </dsp:nvSpPr>
-      <dsp:spPr>
-        <a:xfrm>
-          <a:off x="310895" y="3291840"/>
-          <a:ext cx="7150608" cy="617220"/>
-        </a:xfrm>
-        <a:prstGeom prst="leftRightArrow">
-          <a:avLst/>
-        </a:prstGeom>
-        <a:solidFill>
-          <a:schemeClr val="accent1">
-            <a:tint val="60000"/>
-            <a:hueOff val="0"/>
-            <a:satOff val="0"/>
-            <a:lumOff val="0"/>
-            <a:alphaOff val="0"/>
-          </a:schemeClr>
-        </a:solidFill>
-        <a:ln w="25400" cap="flat" cmpd="sng" algn="ctr">
-          <a:solidFill>
-            <a:schemeClr val="lt1">
-              <a:hueOff val="0"/>
-              <a:satOff val="0"/>
-              <a:lumOff val="0"/>
-              <a:alphaOff val="0"/>
-            </a:schemeClr>
-          </a:solidFill>
-          <a:prstDash val="solid"/>
-        </a:ln>
-        <a:effectLst/>
-      </dsp:spPr>
-      <dsp:style>
-        <a:lnRef idx="2">
-          <a:scrgbClr r="0" g="0" b="0"/>
-        </a:lnRef>
-        <a:fillRef idx="1">
-          <a:scrgbClr r="0" g="0" b="0"/>
-        </a:fillRef>
-        <a:effectRef idx="0">
-          <a:scrgbClr r="0" g="0" b="0"/>
-        </a:effectRef>
-        <a:fontRef idx="minor"/>
-      </dsp:style>
-    </dsp:sp>
   </dsp:spTree>
 </dsp:drawing>
 </file>
@@ -8463,234 +7939,6 @@
       <dsp:cNvGrpSpPr/>
     </dsp:nvGrpSpPr>
     <dsp:grpSpPr/>
-    <dsp:sp modelId="{65D4CC17-A5F8-487F-AAAD-57D750302EC2}">
-      <dsp:nvSpPr>
-        <dsp:cNvPr id="0" name=""/>
-        <dsp:cNvSpPr/>
-      </dsp:nvSpPr>
-      <dsp:spPr>
-        <a:xfrm rot="10800000">
-          <a:off x="1749397" y="142"/>
-          <a:ext cx="5168646" cy="1790080"/>
-        </a:xfrm>
-        <a:prstGeom prst="homePlate">
-          <a:avLst/>
-        </a:prstGeom>
-        <a:solidFill>
-          <a:schemeClr val="tx2"/>
-        </a:solidFill>
-        <a:ln w="25400" cap="flat" cmpd="sng" algn="ctr">
-          <a:solidFill>
-            <a:schemeClr val="lt1">
-              <a:hueOff val="0"/>
-              <a:satOff val="0"/>
-              <a:lumOff val="0"/>
-              <a:alphaOff val="0"/>
-            </a:schemeClr>
-          </a:solidFill>
-          <a:prstDash val="solid"/>
-        </a:ln>
-        <a:effectLst/>
-      </dsp:spPr>
-      <dsp:style>
-        <a:lnRef idx="2">
-          <a:scrgbClr r="0" g="0" b="0"/>
-        </a:lnRef>
-        <a:fillRef idx="1">
-          <a:scrgbClr r="0" g="0" b="0"/>
-        </a:fillRef>
-        <a:effectRef idx="0">
-          <a:scrgbClr r="0" g="0" b="0"/>
-        </a:effectRef>
-        <a:fontRef idx="minor">
-          <a:schemeClr val="lt1"/>
-        </a:fontRef>
-      </dsp:style>
-      <dsp:txBody>
-        <a:bodyPr spcFirstLastPara="0" vert="horz" wrap="square" lIns="789376" tIns="152400" rIns="284480" bIns="152400" numCol="1" spcCol="1270" anchor="ctr" anchorCtr="0">
-          <a:noAutofit/>
-        </a:bodyPr>
-        <a:lstStyle/>
-        <a:p>
-          <a:pPr lvl="0" algn="ctr" defTabSz="1778000" rtl="0">
-            <a:lnSpc>
-              <a:spcPct val="90000"/>
-            </a:lnSpc>
-            <a:spcBef>
-              <a:spcPct val="0"/>
-            </a:spcBef>
-            <a:spcAft>
-              <a:spcPct val="35000"/>
-            </a:spcAft>
-          </a:pPr>
-          <a:r>
-            <a:rPr lang="en-US" sz="4000" kern="1200" dirty="0" smtClean="0"/>
-            <a:t>Ensure accountability </a:t>
-          </a:r>
-          <a:endParaRPr lang="en-US" sz="4000" kern="1200" dirty="0"/>
-        </a:p>
-      </dsp:txBody>
-      <dsp:txXfrm rot="10800000">
-        <a:off x="1749397" y="142"/>
-        <a:ext cx="5168646" cy="1790080"/>
-      </dsp:txXfrm>
-    </dsp:sp>
-    <dsp:sp modelId="{B5CF889C-91DE-4F40-9933-01E74A2C513A}">
-      <dsp:nvSpPr>
-        <dsp:cNvPr id="0" name=""/>
-        <dsp:cNvSpPr/>
-      </dsp:nvSpPr>
-      <dsp:spPr>
-        <a:xfrm>
-          <a:off x="854356" y="142"/>
-          <a:ext cx="1790080" cy="1790080"/>
-        </a:xfrm>
-        <a:prstGeom prst="ellipse">
-          <a:avLst/>
-        </a:prstGeom>
-        <a:solidFill>
-          <a:schemeClr val="tx2"/>
-        </a:solidFill>
-        <a:ln w="25400" cap="flat" cmpd="sng" algn="ctr">
-          <a:solidFill>
-            <a:schemeClr val="lt1">
-              <a:hueOff val="0"/>
-              <a:satOff val="0"/>
-              <a:lumOff val="0"/>
-              <a:alphaOff val="0"/>
-            </a:schemeClr>
-          </a:solidFill>
-          <a:prstDash val="solid"/>
-        </a:ln>
-        <a:effectLst/>
-      </dsp:spPr>
-      <dsp:style>
-        <a:lnRef idx="2">
-          <a:scrgbClr r="0" g="0" b="0"/>
-        </a:lnRef>
-        <a:fillRef idx="1">
-          <a:scrgbClr r="0" g="0" b="0"/>
-        </a:fillRef>
-        <a:effectRef idx="0">
-          <a:scrgbClr r="0" g="0" b="0"/>
-        </a:effectRef>
-        <a:fontRef idx="minor"/>
-      </dsp:style>
-    </dsp:sp>
-    <dsp:sp modelId="{2CBCFA22-6533-4E88-B3CD-C3BB3045ECDB}">
-      <dsp:nvSpPr>
-        <dsp:cNvPr id="0" name=""/>
-        <dsp:cNvSpPr/>
-      </dsp:nvSpPr>
-      <dsp:spPr>
-        <a:xfrm rot="10800000">
-          <a:off x="1749397" y="2324576"/>
-          <a:ext cx="5168646" cy="1790080"/>
-        </a:xfrm>
-        <a:prstGeom prst="homePlate">
-          <a:avLst/>
-        </a:prstGeom>
-        <a:solidFill>
-          <a:schemeClr val="tx2"/>
-        </a:solidFill>
-        <a:ln w="25400" cap="flat" cmpd="sng" algn="ctr">
-          <a:solidFill>
-            <a:schemeClr val="lt1">
-              <a:hueOff val="0"/>
-              <a:satOff val="0"/>
-              <a:lumOff val="0"/>
-              <a:alphaOff val="0"/>
-            </a:schemeClr>
-          </a:solidFill>
-          <a:prstDash val="solid"/>
-        </a:ln>
-        <a:effectLst/>
-      </dsp:spPr>
-      <dsp:style>
-        <a:lnRef idx="2">
-          <a:scrgbClr r="0" g="0" b="0"/>
-        </a:lnRef>
-        <a:fillRef idx="1">
-          <a:scrgbClr r="0" g="0" b="0"/>
-        </a:fillRef>
-        <a:effectRef idx="0">
-          <a:scrgbClr r="0" g="0" b="0"/>
-        </a:effectRef>
-        <a:fontRef idx="minor">
-          <a:schemeClr val="lt1"/>
-        </a:fontRef>
-      </dsp:style>
-      <dsp:txBody>
-        <a:bodyPr spcFirstLastPara="0" vert="horz" wrap="square" lIns="789376" tIns="152400" rIns="284480" bIns="152400" numCol="1" spcCol="1270" anchor="ctr" anchorCtr="0">
-          <a:noAutofit/>
-        </a:bodyPr>
-        <a:lstStyle/>
-        <a:p>
-          <a:pPr lvl="0" algn="ctr" defTabSz="1778000" rtl="0">
-            <a:lnSpc>
-              <a:spcPct val="90000"/>
-            </a:lnSpc>
-            <a:spcBef>
-              <a:spcPct val="0"/>
-            </a:spcBef>
-            <a:spcAft>
-              <a:spcPct val="35000"/>
-            </a:spcAft>
-          </a:pPr>
-          <a:r>
-            <a:rPr lang="en-US" sz="4000" kern="1200" dirty="0" smtClean="0"/>
-            <a:t>Periodic review</a:t>
-          </a:r>
-          <a:endParaRPr lang="en-US" sz="4000" kern="1200" dirty="0"/>
-        </a:p>
-      </dsp:txBody>
-      <dsp:txXfrm rot="10800000">
-        <a:off x="1749397" y="2324576"/>
-        <a:ext cx="5168646" cy="1790080"/>
-      </dsp:txXfrm>
-    </dsp:sp>
-    <dsp:sp modelId="{DC2DBBAE-4DB7-4F74-B02A-68C241240295}">
-      <dsp:nvSpPr>
-        <dsp:cNvPr id="0" name=""/>
-        <dsp:cNvSpPr/>
-      </dsp:nvSpPr>
-      <dsp:spPr>
-        <a:xfrm>
-          <a:off x="854356" y="2324576"/>
-          <a:ext cx="1790080" cy="1790080"/>
-        </a:xfrm>
-        <a:prstGeom prst="ellipse">
-          <a:avLst/>
-        </a:prstGeom>
-        <a:solidFill>
-          <a:schemeClr val="tx2"/>
-        </a:solidFill>
-        <a:ln w="25400" cap="flat" cmpd="sng" algn="ctr">
-          <a:solidFill>
-            <a:schemeClr val="lt1">
-              <a:hueOff val="0"/>
-              <a:satOff val="0"/>
-              <a:lumOff val="0"/>
-              <a:alphaOff val="0"/>
-            </a:schemeClr>
-          </a:solidFill>
-          <a:prstDash val="solid"/>
-        </a:ln>
-        <a:effectLst/>
-      </dsp:spPr>
-      <dsp:style>
-        <a:lnRef idx="2">
-          <a:scrgbClr r="0" g="0" b="0"/>
-        </a:lnRef>
-        <a:fillRef idx="1">
-          <a:scrgbClr r="0" g="0" b="0"/>
-        </a:fillRef>
-        <a:effectRef idx="0">
-          <a:scrgbClr r="0" g="0" b="0"/>
-        </a:effectRef>
-        <a:fontRef idx="minor"/>
-      </dsp:style>
-    </dsp:sp>
   </dsp:spTree>
 </dsp:drawing>
 </file>
@@ -16015,7 +15263,7 @@
             <a:fld id="{DF19EA65-148D-4F5E-9047-ACF430EEE064}" type="datetimeFigureOut">
               <a:rPr lang="en-US" smtClean="0"/>
               <a:pPr/>
-              <a:t>9/30/2013</a:t>
+              <a:t>10/1/2013</a:t>
             </a:fld>
             <a:endParaRPr lang="en-US"/>
           </a:p>
@@ -16962,15 +16210,7 @@
           <a:p>
             <a:r>
               <a:rPr lang="en-US" baseline="0" dirty="0" smtClean="0"/>
-              <a:t>? </a:t>
-            </a:r>
-            <a:r>
-              <a:rPr lang="en-US" baseline="0" dirty="0" smtClean="0"/>
-              <a:t>What do you think are adversarial sources for our ecommerce</a:t>
-            </a:r>
-            <a:r>
-              <a:rPr lang="en-US" baseline="0" dirty="0" smtClean="0"/>
-              <a:t>?</a:t>
+              <a:t>? What do you think are adversarial sources for our ecommerce?</a:t>
             </a:r>
           </a:p>
           <a:p>
@@ -17017,6 +16257,37 @@
               <a:rPr lang="en-US" dirty="0" smtClean="0"/>
               <a:t>Non-adversarial threat events </a:t>
             </a:r>
+          </a:p>
+          <a:p>
+            <a:r>
+              <a:rPr lang="en-US" dirty="0" smtClean="0"/>
+              <a:t>-----------------------------------------------------------------------------------------------</a:t>
+            </a:r>
+          </a:p>
+          <a:p>
+            <a:r>
+              <a:rPr lang="en-US" dirty="0" smtClean="0"/>
+              <a:t>If you were at </a:t>
+            </a:r>
+            <a:r>
+              <a:rPr lang="en-US" dirty="0" err="1" smtClean="0"/>
+              <a:t>DerbyCon</a:t>
+            </a:r>
+            <a:r>
+              <a:rPr lang="en-US" dirty="0" smtClean="0"/>
+              <a:t>, you saw some pretty involved threat modeling but</a:t>
+            </a:r>
+          </a:p>
+          <a:p>
+            <a:r>
+              <a:rPr lang="en-US" dirty="0" smtClean="0"/>
+              <a:t>(</a:t>
+            </a:r>
+            <a:r>
+              <a:rPr lang="en-US" smtClean="0"/>
+              <a:t>next slide)</a:t>
+            </a:r>
+            <a:endParaRPr lang="en-US" dirty="0" smtClean="0"/>
           </a:p>
           <a:p>
             <a:endParaRPr lang="en-US" baseline="0" dirty="0" smtClean="0"/>
@@ -17113,11 +16384,7 @@
           <a:p>
             <a:r>
               <a:rPr lang="en-US" baseline="0" dirty="0" smtClean="0"/>
-              <a:t>Simple.  Communicates at a glance</a:t>
-            </a:r>
-            <a:r>
-              <a:rPr lang="en-US" baseline="0" dirty="0" smtClean="0"/>
-              <a:t>.</a:t>
+              <a:t>Simple.  Communicates at a glance.</a:t>
             </a:r>
           </a:p>
           <a:p>
@@ -17231,11 +16498,7 @@
             </a:r>
             <a:r>
               <a:rPr lang="en-US" baseline="0" dirty="0" smtClean="0"/>
-              <a:t> nomenclature</a:t>
-            </a:r>
-            <a:r>
-              <a:rPr lang="en-US" baseline="0" dirty="0" smtClean="0"/>
-              <a:t>)</a:t>
+              <a:t> nomenclature)</a:t>
             </a:r>
           </a:p>
           <a:p>
@@ -17244,7 +16507,6 @@
               <a:rPr lang="en-US" dirty="0" smtClean="0"/>
               <a:t>?</a:t>
             </a:r>
-            <a:endParaRPr lang="en-US" dirty="0" smtClean="0"/>
           </a:p>
           <a:p>
             <a:pPr lvl="0"/>
@@ -19715,11 +18977,7 @@
             </a:pPr>
             <a:r>
               <a:rPr lang="en-US" dirty="0" smtClean="0"/>
-              <a:t>Threat </a:t>
-            </a:r>
-            <a:r>
-              <a:rPr lang="en-US" dirty="0" smtClean="0"/>
-              <a:t>– the</a:t>
+              <a:t>Threat – the</a:t>
             </a:r>
             <a:r>
               <a:rPr lang="en-US" baseline="0" dirty="0" smtClean="0"/>
@@ -19766,15 +19024,7 @@
             </a:pPr>
             <a:r>
               <a:rPr lang="en-US" baseline="0" dirty="0" smtClean="0"/>
-              <a:t>Likelihood </a:t>
-            </a:r>
-            <a:r>
-              <a:rPr lang="en-US" baseline="0" dirty="0" smtClean="0"/>
-              <a:t>– the chance of the effect happening due to the </a:t>
-            </a:r>
-            <a:r>
-              <a:rPr lang="en-US" baseline="0" dirty="0" smtClean="0"/>
-              <a:t>combo of vulnerability and threat</a:t>
+              <a:t>Likelihood – the chance of the effect happening due to the combo of vulnerability and threat</a:t>
             </a:r>
             <a:endParaRPr lang="en-US" dirty="0" smtClean="0"/>
           </a:p>
@@ -20185,6 +19435,17 @@
           <a:p>
             <a:r>
               <a:rPr lang="en-US" dirty="0" smtClean="0"/>
+              <a:t>Shameless plug for High</a:t>
+            </a:r>
+            <a:r>
+              <a:rPr lang="en-US" baseline="0" dirty="0" smtClean="0"/>
+              <a:t> Risk of Low Risk applications</a:t>
+            </a:r>
+            <a:endParaRPr lang="en-US" dirty="0" smtClean="0"/>
+          </a:p>
+          <a:p>
+            <a:r>
+              <a:rPr lang="en-US" dirty="0" smtClean="0"/>
               <a:t>But</a:t>
             </a:r>
             <a:r>
@@ -20544,7 +19805,6 @@
               <a:rPr lang="en-US" i="0" baseline="0" dirty="0" smtClean="0"/>
               <a:t>Purpose – </a:t>
             </a:r>
-            <a:endParaRPr lang="en-US" i="0" baseline="0" dirty="0" smtClean="0"/>
           </a:p>
           <a:p>
             <a:r>
@@ -20555,11 +19815,7 @@
           <a:p>
             <a:r>
               <a:rPr lang="en-US" i="0" baseline="0" dirty="0" smtClean="0"/>
-              <a:t>what </a:t>
-            </a:r>
-            <a:r>
-              <a:rPr lang="en-US" i="0" baseline="0" dirty="0" smtClean="0"/>
-              <a:t>decisions will the </a:t>
+              <a:t>what decisions will the </a:t>
             </a:r>
             <a:r>
               <a:rPr lang="en-US" i="0" baseline="0" dirty="0" err="1" smtClean="0"/>
@@ -20789,7 +20045,7 @@
             <a:fld id="{9EB394D3-83B6-4264-8007-284C399FF126}" type="datetimeFigureOut">
               <a:rPr lang="en-US" smtClean="0"/>
               <a:pPr/>
-              <a:t>9/30/2013</a:t>
+              <a:t>10/1/2013</a:t>
             </a:fld>
             <a:endParaRPr lang="en-US"/>
           </a:p>
@@ -21115,7 +20371,7 @@
             <a:fld id="{9EB394D3-83B6-4264-8007-284C399FF126}" type="datetimeFigureOut">
               <a:rPr lang="en-US" smtClean="0"/>
               <a:pPr/>
-              <a:t>9/30/2013</a:t>
+              <a:t>10/1/2013</a:t>
             </a:fld>
             <a:endParaRPr lang="en-US"/>
           </a:p>
@@ -21304,7 +20560,7 @@
             <a:fld id="{9EB394D3-83B6-4264-8007-284C399FF126}" type="datetimeFigureOut">
               <a:rPr lang="en-US" smtClean="0"/>
               <a:pPr/>
-              <a:t>9/30/2013</a:t>
+              <a:t>10/1/2013</a:t>
             </a:fld>
             <a:endParaRPr lang="en-US"/>
           </a:p>
@@ -21811,7 +21067,7 @@
             <a:fld id="{9EB394D3-83B6-4264-8007-284C399FF126}" type="datetimeFigureOut">
               <a:rPr lang="en-US" smtClean="0"/>
               <a:pPr/>
-              <a:t>9/30/2013</a:t>
+              <a:t>10/1/2013</a:t>
             </a:fld>
             <a:endParaRPr lang="en-US"/>
           </a:p>
@@ -22008,7 +21264,7 @@
             <a:fld id="{9EB394D3-83B6-4264-8007-284C399FF126}" type="datetimeFigureOut">
               <a:rPr lang="en-US" smtClean="0"/>
               <a:pPr/>
-              <a:t>9/30/2013</a:t>
+              <a:t>10/1/2013</a:t>
             </a:fld>
             <a:endParaRPr lang="en-US"/>
           </a:p>
@@ -22209,7 +21465,7 @@
             <a:fld id="{9EB394D3-83B6-4264-8007-284C399FF126}" type="datetimeFigureOut">
               <a:rPr lang="en-US" smtClean="0"/>
               <a:pPr/>
-              <a:t>9/30/2013</a:t>
+              <a:t>10/1/2013</a:t>
             </a:fld>
             <a:endParaRPr lang="en-US"/>
           </a:p>
@@ -22506,7 +21762,7 @@
             <a:fld id="{9EB394D3-83B6-4264-8007-284C399FF126}" type="datetimeFigureOut">
               <a:rPr lang="en-US" smtClean="0"/>
               <a:pPr/>
-              <a:t>9/30/2013</a:t>
+              <a:t>10/1/2013</a:t>
             </a:fld>
             <a:endParaRPr lang="en-US"/>
           </a:p>
@@ -22942,7 +22198,7 @@
             <a:fld id="{9EB394D3-83B6-4264-8007-284C399FF126}" type="datetimeFigureOut">
               <a:rPr lang="en-US" smtClean="0"/>
               <a:pPr/>
-              <a:t>9/30/2013</a:t>
+              <a:t>10/1/2013</a:t>
             </a:fld>
             <a:endParaRPr lang="en-US"/>
           </a:p>
@@ -23069,7 +22325,7 @@
             <a:fld id="{9EB394D3-83B6-4264-8007-284C399FF126}" type="datetimeFigureOut">
               <a:rPr lang="en-US" smtClean="0"/>
               <a:pPr/>
-              <a:t>9/30/2013</a:t>
+              <a:t>10/1/2013</a:t>
             </a:fld>
             <a:endParaRPr lang="en-US"/>
           </a:p>
@@ -23173,7 +22429,7 @@
             <a:fld id="{9EB394D3-83B6-4264-8007-284C399FF126}" type="datetimeFigureOut">
               <a:rPr lang="en-US" smtClean="0"/>
               <a:pPr/>
-              <a:t>9/30/2013</a:t>
+              <a:t>10/1/2013</a:t>
             </a:fld>
             <a:endParaRPr lang="en-US"/>
           </a:p>
@@ -23459,7 +22715,7 @@
             <a:fld id="{9EB394D3-83B6-4264-8007-284C399FF126}" type="datetimeFigureOut">
               <a:rPr lang="en-US" smtClean="0"/>
               <a:pPr/>
-              <a:t>9/30/2013</a:t>
+              <a:t>10/1/2013</a:t>
             </a:fld>
             <a:endParaRPr lang="en-US"/>
           </a:p>
@@ -23638,7 +22894,7 @@
             <a:fld id="{9EB394D3-83B6-4264-8007-284C399FF126}" type="datetimeFigureOut">
               <a:rPr lang="en-US" smtClean="0"/>
               <a:pPr/>
-              <a:t>9/30/2013</a:t>
+              <a:t>10/1/2013</a:t>
             </a:fld>
             <a:endParaRPr lang="en-US"/>
           </a:p>
@@ -23904,7 +23160,7 @@
             <a:fld id="{9EB394D3-83B6-4264-8007-284C399FF126}" type="datetimeFigureOut">
               <a:rPr lang="en-US" smtClean="0"/>
               <a:pPr/>
-              <a:t>9/30/2013</a:t>
+              <a:t>10/1/2013</a:t>
             </a:fld>
             <a:endParaRPr lang="en-US"/>
           </a:p>
@@ -24083,7 +23339,7 @@
             <a:fld id="{9EB394D3-83B6-4264-8007-284C399FF126}" type="datetimeFigureOut">
               <a:rPr lang="en-US" smtClean="0"/>
               <a:pPr/>
-              <a:t>9/30/2013</a:t>
+              <a:t>10/1/2013</a:t>
             </a:fld>
             <a:endParaRPr lang="en-US"/>
           </a:p>
@@ -24272,7 +23528,7 @@
             <a:fld id="{9EB394D3-83B6-4264-8007-284C399FF126}" type="datetimeFigureOut">
               <a:rPr lang="en-US" smtClean="0"/>
               <a:pPr/>
-              <a:t>9/30/2013</a:t>
+              <a:t>10/1/2013</a:t>
             </a:fld>
             <a:endParaRPr lang="en-US"/>
           </a:p>
@@ -24519,7 +23775,7 @@
             <a:fld id="{9EB394D3-83B6-4264-8007-284C399FF126}" type="datetimeFigureOut">
               <a:rPr lang="en-US" smtClean="0"/>
               <a:pPr/>
-              <a:t>9/30/2013</a:t>
+              <a:t>10/1/2013</a:t>
             </a:fld>
             <a:endParaRPr lang="en-US"/>
           </a:p>
@@ -24686,7 +23942,7 @@
             <a:fld id="{9EB394D3-83B6-4264-8007-284C399FF126}" type="datetimeFigureOut">
               <a:rPr lang="en-US" smtClean="0"/>
               <a:pPr/>
-              <a:t>9/30/2013</a:t>
+              <a:t>10/1/2013</a:t>
             </a:fld>
             <a:endParaRPr lang="en-US"/>
           </a:p>
@@ -24929,7 +24185,7 @@
             <a:fld id="{9EB394D3-83B6-4264-8007-284C399FF126}" type="datetimeFigureOut">
               <a:rPr lang="en-US" smtClean="0"/>
               <a:pPr/>
-              <a:t>9/30/2013</a:t>
+              <a:t>10/1/2013</a:t>
             </a:fld>
             <a:endParaRPr lang="en-US"/>
           </a:p>
@@ -25214,7 +24470,7 @@
             <a:fld id="{9EB394D3-83B6-4264-8007-284C399FF126}" type="datetimeFigureOut">
               <a:rPr lang="en-US" smtClean="0"/>
               <a:pPr/>
-              <a:t>9/30/2013</a:t>
+              <a:t>10/1/2013</a:t>
             </a:fld>
             <a:endParaRPr lang="en-US"/>
           </a:p>
@@ -25633,7 +24889,7 @@
             <a:fld id="{9EB394D3-83B6-4264-8007-284C399FF126}" type="datetimeFigureOut">
               <a:rPr lang="en-US" smtClean="0"/>
               <a:pPr/>
-              <a:t>9/30/2013</a:t>
+              <a:t>10/1/2013</a:t>
             </a:fld>
             <a:endParaRPr lang="en-US"/>
           </a:p>
@@ -25748,7 +25004,7 @@
             <a:fld id="{9EB394D3-83B6-4264-8007-284C399FF126}" type="datetimeFigureOut">
               <a:rPr lang="en-US" smtClean="0"/>
               <a:pPr/>
-              <a:t>9/30/2013</a:t>
+              <a:t>10/1/2013</a:t>
             </a:fld>
             <a:endParaRPr lang="en-US"/>
           </a:p>
@@ -25840,7 +25096,7 @@
             <a:fld id="{9EB394D3-83B6-4264-8007-284C399FF126}" type="datetimeFigureOut">
               <a:rPr lang="en-US" smtClean="0"/>
               <a:pPr/>
-              <a:t>9/30/2013</a:t>
+              <a:t>10/1/2013</a:t>
             </a:fld>
             <a:endParaRPr lang="en-US"/>
           </a:p>
@@ -26033,7 +25289,7 @@
             <a:fld id="{9EB394D3-83B6-4264-8007-284C399FF126}" type="datetimeFigureOut">
               <a:rPr lang="en-US" smtClean="0"/>
               <a:pPr/>
-              <a:t>9/30/2013</a:t>
+              <a:t>10/1/2013</a:t>
             </a:fld>
             <a:endParaRPr lang="en-US"/>
           </a:p>
@@ -26315,7 +25571,7 @@
             <a:fld id="{9EB394D3-83B6-4264-8007-284C399FF126}" type="datetimeFigureOut">
               <a:rPr lang="en-US" smtClean="0"/>
               <a:pPr/>
-              <a:t>9/30/2013</a:t>
+              <a:t>10/1/2013</a:t>
             </a:fld>
             <a:endParaRPr lang="en-US"/>
           </a:p>
@@ -26565,7 +25821,7 @@
             <a:fld id="{9EB394D3-83B6-4264-8007-284C399FF126}" type="datetimeFigureOut">
               <a:rPr lang="en-US" smtClean="0"/>
               <a:pPr/>
-              <a:t>9/30/2013</a:t>
+              <a:t>10/1/2013</a:t>
             </a:fld>
             <a:endParaRPr lang="en-US"/>
           </a:p>
@@ -26732,7 +25988,7 @@
             <a:fld id="{9EB394D3-83B6-4264-8007-284C399FF126}" type="datetimeFigureOut">
               <a:rPr lang="en-US" smtClean="0"/>
               <a:pPr/>
-              <a:t>9/30/2013</a:t>
+              <a:t>10/1/2013</a:t>
             </a:fld>
             <a:endParaRPr lang="en-US"/>
           </a:p>
@@ -26909,7 +26165,7 @@
             <a:fld id="{9EB394D3-83B6-4264-8007-284C399FF126}" type="datetimeFigureOut">
               <a:rPr lang="en-US" smtClean="0"/>
               <a:pPr/>
-              <a:t>9/30/2013</a:t>
+              <a:t>10/1/2013</a:t>
             </a:fld>
             <a:endParaRPr lang="en-US"/>
           </a:p>
@@ -27198,7 +26454,7 @@
             <a:fld id="{9EB394D3-83B6-4264-8007-284C399FF126}" type="datetimeFigureOut">
               <a:rPr lang="en-US" smtClean="0"/>
               <a:pPr/>
-              <a:t>9/30/2013</a:t>
+              <a:t>10/1/2013</a:t>
             </a:fld>
             <a:endParaRPr lang="en-US"/>
           </a:p>
@@ -27634,7 +26890,7 @@
             <a:fld id="{9EB394D3-83B6-4264-8007-284C399FF126}" type="datetimeFigureOut">
               <a:rPr lang="en-US" smtClean="0"/>
               <a:pPr/>
-              <a:t>9/30/2013</a:t>
+              <a:t>10/1/2013</a:t>
             </a:fld>
             <a:endParaRPr lang="en-US"/>
           </a:p>
@@ -27761,7 +27017,7 @@
             <a:fld id="{9EB394D3-83B6-4264-8007-284C399FF126}" type="datetimeFigureOut">
               <a:rPr lang="en-US" smtClean="0"/>
               <a:pPr/>
-              <a:t>9/30/2013</a:t>
+              <a:t>10/1/2013</a:t>
             </a:fld>
             <a:endParaRPr lang="en-US"/>
           </a:p>
@@ -27865,7 +27121,7 @@
             <a:fld id="{9EB394D3-83B6-4264-8007-284C399FF126}" type="datetimeFigureOut">
               <a:rPr lang="en-US" smtClean="0"/>
               <a:pPr/>
-              <a:t>9/30/2013</a:t>
+              <a:t>10/1/2013</a:t>
             </a:fld>
             <a:endParaRPr lang="en-US"/>
           </a:p>
@@ -28151,7 +27407,7 @@
             <a:fld id="{9EB394D3-83B6-4264-8007-284C399FF126}" type="datetimeFigureOut">
               <a:rPr lang="en-US" smtClean="0"/>
               <a:pPr/>
-              <a:t>9/30/2013</a:t>
+              <a:t>10/1/2013</a:t>
             </a:fld>
             <a:endParaRPr lang="en-US"/>
           </a:p>
@@ -28417,7 +27673,7 @@
             <a:fld id="{9EB394D3-83B6-4264-8007-284C399FF126}" type="datetimeFigureOut">
               <a:rPr lang="en-US" smtClean="0"/>
               <a:pPr/>
-              <a:t>9/30/2013</a:t>
+              <a:t>10/1/2013</a:t>
             </a:fld>
             <a:endParaRPr lang="en-US"/>
           </a:p>
@@ -28666,7 +27922,7 @@
             <a:fld id="{9EB394D3-83B6-4264-8007-284C399FF126}" type="datetimeFigureOut">
               <a:rPr lang="en-US" smtClean="0"/>
               <a:pPr/>
-              <a:t>9/30/2013</a:t>
+              <a:t>10/1/2013</a:t>
             </a:fld>
             <a:endParaRPr lang="en-US"/>
           </a:p>
@@ -29771,7 +29027,7 @@
             <a:fld id="{9EB394D3-83B6-4264-8007-284C399FF126}" type="datetimeFigureOut">
               <a:rPr lang="en-US" smtClean="0"/>
               <a:pPr/>
-              <a:t>9/30/2013</a:t>
+              <a:t>10/1/2013</a:t>
             </a:fld>
             <a:endParaRPr lang="en-US"/>
           </a:p>
@@ -30451,7 +29707,7 @@
             <a:fld id="{9EB394D3-83B6-4264-8007-284C399FF126}" type="datetimeFigureOut">
               <a:rPr lang="en-US" smtClean="0"/>
               <a:pPr/>
-              <a:t>9/30/2013</a:t>
+              <a:t>10/1/2013</a:t>
             </a:fld>
             <a:endParaRPr lang="en-US"/>
           </a:p>
@@ -30932,13 +30188,8 @@
             <a:pPr lvl="1"/>
             <a:r>
               <a:rPr lang="en-US" baseline="0" dirty="0" smtClean="0"/>
-              <a:t>Existing </a:t>
-            </a:r>
-            <a:r>
-              <a:rPr lang="en-US" baseline="0" dirty="0" smtClean="0"/>
-              <a:t>conditions</a:t>
-            </a:r>
-            <a:endParaRPr lang="en-US" baseline="0" dirty="0" smtClean="0"/>
+              <a:t>Existing conditions</a:t>
+            </a:r>
           </a:p>
         </p:txBody>
       </p:sp>
@@ -31294,15 +30545,7 @@
           <a:p>
             <a:r>
               <a:rPr lang="en-US" dirty="0" smtClean="0"/>
-              <a:t>Step2: </a:t>
-            </a:r>
-            <a:r>
-              <a:rPr lang="en-US" dirty="0" smtClean="0"/>
-              <a:t>Conduct the risk </a:t>
-            </a:r>
-            <a:r>
-              <a:rPr lang="en-US" dirty="0" smtClean="0"/>
-              <a:t>assessment</a:t>
+              <a:t>Step2: Conduct the risk assessment</a:t>
             </a:r>
             <a:endParaRPr lang="en-US" dirty="0"/>
           </a:p>
@@ -31647,11 +30890,7 @@
           <a:p>
             <a:r>
               <a:rPr lang="en-US" dirty="0" smtClean="0"/>
-              <a:t>Identify adversarial threat </a:t>
-            </a:r>
-            <a:r>
-              <a:rPr lang="en-US" dirty="0" smtClean="0"/>
-              <a:t>sources &amp; events</a:t>
+              <a:t>Identify adversarial threat sources &amp; events</a:t>
             </a:r>
             <a:endParaRPr lang="en-US" dirty="0"/>
           </a:p>
@@ -31699,7 +30938,6 @@
               <a:rPr lang="en-US" baseline="0" dirty="0" smtClean="0"/>
               <a:t>Targeting</a:t>
             </a:r>
-            <a:endParaRPr lang="en-US" baseline="0" dirty="0" smtClean="0"/>
           </a:p>
         </p:txBody>
       </p:sp>
@@ -33359,11 +32597,7 @@
           <a:p>
             <a:r>
               <a:rPr lang="en-US" dirty="0" smtClean="0"/>
-              <a:t>Identify Non-adversarial threat </a:t>
-            </a:r>
-            <a:r>
-              <a:rPr lang="en-US" dirty="0" smtClean="0"/>
-              <a:t>sources &amp; events</a:t>
+              <a:t>Identify Non-adversarial threat sources &amp; events</a:t>
             </a:r>
             <a:endParaRPr lang="en-US" dirty="0"/>
           </a:p>
@@ -33388,11 +32622,7 @@
           <a:p>
             <a:r>
               <a:rPr lang="en-US" baseline="0" dirty="0" smtClean="0"/>
-              <a:t>Accidents</a:t>
-            </a:r>
-            <a:r>
-              <a:rPr lang="en-US" baseline="0" dirty="0" smtClean="0"/>
-              <a:t>, acts of God, etc</a:t>
+              <a:t>Accidents, acts of God, etc</a:t>
             </a:r>
           </a:p>
         </p:txBody>
@@ -34469,38 +33699,6 @@
           <a:chExt cx="0" cy="0"/>
         </a:xfrm>
       </p:grpSpPr>
-      <p:pic>
-        <p:nvPicPr>
-          <p:cNvPr id="35846" name="Picture 6"/>
-          <p:cNvPicPr>
-            <a:picLocks noChangeAspect="1" noChangeArrowheads="1"/>
-          </p:cNvPicPr>
-          <p:nvPr/>
-        </p:nvPicPr>
-        <p:blipFill>
-          <a:blip r:embed="rId3" cstate="print"/>
-          <a:srcRect/>
-          <a:stretch>
-            <a:fillRect/>
-          </a:stretch>
-        </p:blipFill>
-        <p:spPr bwMode="auto">
-          <a:xfrm>
-            <a:off x="1320800" y="3143250"/>
-            <a:ext cx="4851400" cy="3638550"/>
-          </a:xfrm>
-          <a:prstGeom prst="rect">
-            <a:avLst/>
-          </a:prstGeom>
-          <a:noFill/>
-          <a:ln w="9525">
-            <a:noFill/>
-            <a:miter lim="800000"/>
-            <a:headEnd/>
-            <a:tailEnd/>
-          </a:ln>
-        </p:spPr>
-      </p:pic>
       <p:sp>
         <p:nvSpPr>
           <p:cNvPr id="2" name="Title 1"/>
@@ -34525,6 +33723,32 @@
           </a:p>
         </p:txBody>
       </p:sp>
+      <p:pic>
+        <p:nvPicPr>
+          <p:cNvPr id="26626" name="Picture 2" descr="http://www.somastruct.com/wp-content/uploads/2012/08/AchillesArrow.jpg"/>
+          <p:cNvPicPr>
+            <a:picLocks noChangeAspect="1" noChangeArrowheads="1"/>
+          </p:cNvPicPr>
+          <p:nvPr/>
+        </p:nvPicPr>
+        <p:blipFill>
+          <a:blip r:embed="rId3" cstate="print"/>
+          <a:srcRect/>
+          <a:stretch>
+            <a:fillRect/>
+          </a:stretch>
+        </p:blipFill>
+        <p:spPr bwMode="auto">
+          <a:xfrm>
+            <a:off x="1447800" y="3868255"/>
+            <a:ext cx="2743200" cy="2599220"/>
+          </a:xfrm>
+          <a:prstGeom prst="rect">
+            <a:avLst/>
+          </a:prstGeom>
+          <a:noFill/>
+        </p:spPr>
+      </p:pic>
       <p:sp>
         <p:nvSpPr>
           <p:cNvPr id="3" name="Content Placeholder 2"/>
@@ -35006,9 +34230,9 @@
                             </p:stCondLst>
                             <p:childTnLst>
                               <p:par>
-                                <p:cTn id="5" presetID="2" presetClass="entr" presetSubtype="4" fill="hold" grpId="0" nodeType="afterEffect">
+                                <p:cTn id="5" presetID="1" presetClass="entr" presetSubtype="0" fill="hold" grpId="0" nodeType="afterEffect">
                                   <p:stCondLst>
-                                    <p:cond delay="0"/>
+                                    <p:cond delay="500"/>
                                   </p:stCondLst>
                                   <p:childTnLst>
                                     <p:set>
@@ -35033,60 +34257,6 @@
                                         <p:strVal val="visible"/>
                                       </p:to>
                                     </p:set>
-                                    <p:anim calcmode="lin" valueType="num">
-                                      <p:cBhvr additive="base">
-                                        <p:cTn id="7" dur="2000" fill="hold"/>
-                                        <p:tgtEl>
-                                          <p:spTgt spid="3">
-                                            <p:txEl>
-                                              <p:pRg st="0" end="0"/>
-                                            </p:txEl>
-                                          </p:spTgt>
-                                        </p:tgtEl>
-                                        <p:attrNameLst>
-                                          <p:attrName>ppt_x</p:attrName>
-                                        </p:attrNameLst>
-                                      </p:cBhvr>
-                                      <p:tavLst>
-                                        <p:tav tm="0">
-                                          <p:val>
-                                            <p:strVal val="#ppt_x"/>
-                                          </p:val>
-                                        </p:tav>
-                                        <p:tav tm="100000">
-                                          <p:val>
-                                            <p:strVal val="#ppt_x"/>
-                                          </p:val>
-                                        </p:tav>
-                                      </p:tavLst>
-                                    </p:anim>
-                                    <p:anim calcmode="lin" valueType="num">
-                                      <p:cBhvr additive="base">
-                                        <p:cTn id="8" dur="2000" fill="hold"/>
-                                        <p:tgtEl>
-                                          <p:spTgt spid="3">
-                                            <p:txEl>
-                                              <p:pRg st="0" end="0"/>
-                                            </p:txEl>
-                                          </p:spTgt>
-                                        </p:tgtEl>
-                                        <p:attrNameLst>
-                                          <p:attrName>ppt_y</p:attrName>
-                                        </p:attrNameLst>
-                                      </p:cBhvr>
-                                      <p:tavLst>
-                                        <p:tav tm="0">
-                                          <p:val>
-                                            <p:strVal val="1+#ppt_h/2"/>
-                                          </p:val>
-                                        </p:tav>
-                                        <p:tav tm="100000">
-                                          <p:val>
-                                            <p:strVal val="#ppt_y"/>
-                                          </p:val>
-                                        </p:tav>
-                                      </p:tavLst>
-                                    </p:anim>
                                   </p:childTnLst>
                                 </p:cTn>
                               </p:par>
@@ -35094,20 +34264,20 @@
                           </p:cTn>
                         </p:par>
                         <p:par>
-                          <p:cTn id="9" fill="hold">
+                          <p:cTn id="7" fill="hold">
                             <p:stCondLst>
-                              <p:cond delay="2000"/>
+                              <p:cond delay="500"/>
                             </p:stCondLst>
                             <p:childTnLst>
                               <p:par>
-                                <p:cTn id="10" presetID="2" presetClass="entr" presetSubtype="4" fill="hold" grpId="0" nodeType="afterEffect">
+                                <p:cTn id="8" presetID="1" presetClass="entr" presetSubtype="0" fill="hold" grpId="0" nodeType="afterEffect">
                                   <p:stCondLst>
-                                    <p:cond delay="0"/>
+                                    <p:cond delay="500"/>
                                   </p:stCondLst>
                                   <p:childTnLst>
                                     <p:set>
                                       <p:cBhvr>
-                                        <p:cTn id="11" dur="1" fill="hold">
+                                        <p:cTn id="9" dur="1" fill="hold">
                                           <p:stCondLst>
                                             <p:cond delay="0"/>
                                           </p:stCondLst>
@@ -35127,60 +34297,6 @@
                                         <p:strVal val="visible"/>
                                       </p:to>
                                     </p:set>
-                                    <p:anim calcmode="lin" valueType="num">
-                                      <p:cBhvr additive="base">
-                                        <p:cTn id="12" dur="2000" fill="hold"/>
-                                        <p:tgtEl>
-                                          <p:spTgt spid="3">
-                                            <p:txEl>
-                                              <p:pRg st="1" end="1"/>
-                                            </p:txEl>
-                                          </p:spTgt>
-                                        </p:tgtEl>
-                                        <p:attrNameLst>
-                                          <p:attrName>ppt_x</p:attrName>
-                                        </p:attrNameLst>
-                                      </p:cBhvr>
-                                      <p:tavLst>
-                                        <p:tav tm="0">
-                                          <p:val>
-                                            <p:strVal val="#ppt_x"/>
-                                          </p:val>
-                                        </p:tav>
-                                        <p:tav tm="100000">
-                                          <p:val>
-                                            <p:strVal val="#ppt_x"/>
-                                          </p:val>
-                                        </p:tav>
-                                      </p:tavLst>
-                                    </p:anim>
-                                    <p:anim calcmode="lin" valueType="num">
-                                      <p:cBhvr additive="base">
-                                        <p:cTn id="13" dur="2000" fill="hold"/>
-                                        <p:tgtEl>
-                                          <p:spTgt spid="3">
-                                            <p:txEl>
-                                              <p:pRg st="1" end="1"/>
-                                            </p:txEl>
-                                          </p:spTgt>
-                                        </p:tgtEl>
-                                        <p:attrNameLst>
-                                          <p:attrName>ppt_y</p:attrName>
-                                        </p:attrNameLst>
-                                      </p:cBhvr>
-                                      <p:tavLst>
-                                        <p:tav tm="0">
-                                          <p:val>
-                                            <p:strVal val="1+#ppt_h/2"/>
-                                          </p:val>
-                                        </p:tav>
-                                        <p:tav tm="100000">
-                                          <p:val>
-                                            <p:strVal val="#ppt_y"/>
-                                          </p:val>
-                                        </p:tav>
-                                      </p:tavLst>
-                                    </p:anim>
                                   </p:childTnLst>
                                 </p:cTn>
                               </p:par>
@@ -35188,20 +34304,20 @@
                           </p:cTn>
                         </p:par>
                         <p:par>
-                          <p:cTn id="14" fill="hold">
+                          <p:cTn id="10" fill="hold">
                             <p:stCondLst>
-                              <p:cond delay="4000"/>
+                              <p:cond delay="1000"/>
                             </p:stCondLst>
                             <p:childTnLst>
                               <p:par>
-                                <p:cTn id="15" presetID="2" presetClass="entr" presetSubtype="4" fill="hold" grpId="0" nodeType="afterEffect">
+                                <p:cTn id="11" presetID="1" presetClass="entr" presetSubtype="0" fill="hold" grpId="0" nodeType="afterEffect">
                                   <p:stCondLst>
-                                    <p:cond delay="0"/>
+                                    <p:cond delay="500"/>
                                   </p:stCondLst>
                                   <p:childTnLst>
                                     <p:set>
                                       <p:cBhvr>
-                                        <p:cTn id="16" dur="1" fill="hold">
+                                        <p:cTn id="12" dur="1" fill="hold">
                                           <p:stCondLst>
                                             <p:cond delay="0"/>
                                           </p:stCondLst>
@@ -35221,60 +34337,6 @@
                                         <p:strVal val="visible"/>
                                       </p:to>
                                     </p:set>
-                                    <p:anim calcmode="lin" valueType="num">
-                                      <p:cBhvr additive="base">
-                                        <p:cTn id="17" dur="2000" fill="hold"/>
-                                        <p:tgtEl>
-                                          <p:spTgt spid="3">
-                                            <p:txEl>
-                                              <p:pRg st="2" end="2"/>
-                                            </p:txEl>
-                                          </p:spTgt>
-                                        </p:tgtEl>
-                                        <p:attrNameLst>
-                                          <p:attrName>ppt_x</p:attrName>
-                                        </p:attrNameLst>
-                                      </p:cBhvr>
-                                      <p:tavLst>
-                                        <p:tav tm="0">
-                                          <p:val>
-                                            <p:strVal val="#ppt_x"/>
-                                          </p:val>
-                                        </p:tav>
-                                        <p:tav tm="100000">
-                                          <p:val>
-                                            <p:strVal val="#ppt_x"/>
-                                          </p:val>
-                                        </p:tav>
-                                      </p:tavLst>
-                                    </p:anim>
-                                    <p:anim calcmode="lin" valueType="num">
-                                      <p:cBhvr additive="base">
-                                        <p:cTn id="18" dur="2000" fill="hold"/>
-                                        <p:tgtEl>
-                                          <p:spTgt spid="3">
-                                            <p:txEl>
-                                              <p:pRg st="2" end="2"/>
-                                            </p:txEl>
-                                          </p:spTgt>
-                                        </p:tgtEl>
-                                        <p:attrNameLst>
-                                          <p:attrName>ppt_y</p:attrName>
-                                        </p:attrNameLst>
-                                      </p:cBhvr>
-                                      <p:tavLst>
-                                        <p:tav tm="0">
-                                          <p:val>
-                                            <p:strVal val="1+#ppt_h/2"/>
-                                          </p:val>
-                                        </p:tav>
-                                        <p:tav tm="100000">
-                                          <p:val>
-                                            <p:strVal val="#ppt_y"/>
-                                          </p:val>
-                                        </p:tav>
-                                      </p:tavLst>
-                                    </p:anim>
                                   </p:childTnLst>
                                 </p:cTn>
                               </p:par>
@@ -35282,20 +34344,20 @@
                           </p:cTn>
                         </p:par>
                         <p:par>
-                          <p:cTn id="19" fill="hold">
+                          <p:cTn id="13" fill="hold">
                             <p:stCondLst>
-                              <p:cond delay="6000"/>
+                              <p:cond delay="1500"/>
                             </p:stCondLst>
                             <p:childTnLst>
                               <p:par>
-                                <p:cTn id="20" presetID="2" presetClass="entr" presetSubtype="4" fill="hold" grpId="0" nodeType="afterEffect">
+                                <p:cTn id="14" presetID="1" presetClass="entr" presetSubtype="0" fill="hold" grpId="0" nodeType="afterEffect">
                                   <p:stCondLst>
-                                    <p:cond delay="0"/>
+                                    <p:cond delay="500"/>
                                   </p:stCondLst>
                                   <p:childTnLst>
                                     <p:set>
                                       <p:cBhvr>
-                                        <p:cTn id="21" dur="1" fill="hold">
+                                        <p:cTn id="15" dur="1" fill="hold">
                                           <p:stCondLst>
                                             <p:cond delay="0"/>
                                           </p:stCondLst>
@@ -35315,60 +34377,6 @@
                                         <p:strVal val="visible"/>
                                       </p:to>
                                     </p:set>
-                                    <p:anim calcmode="lin" valueType="num">
-                                      <p:cBhvr additive="base">
-                                        <p:cTn id="22" dur="2000" fill="hold"/>
-                                        <p:tgtEl>
-                                          <p:spTgt spid="3">
-                                            <p:txEl>
-                                              <p:pRg st="3" end="3"/>
-                                            </p:txEl>
-                                          </p:spTgt>
-                                        </p:tgtEl>
-                                        <p:attrNameLst>
-                                          <p:attrName>ppt_x</p:attrName>
-                                        </p:attrNameLst>
-                                      </p:cBhvr>
-                                      <p:tavLst>
-                                        <p:tav tm="0">
-                                          <p:val>
-                                            <p:strVal val="#ppt_x"/>
-                                          </p:val>
-                                        </p:tav>
-                                        <p:tav tm="100000">
-                                          <p:val>
-                                            <p:strVal val="#ppt_x"/>
-                                          </p:val>
-                                        </p:tav>
-                                      </p:tavLst>
-                                    </p:anim>
-                                    <p:anim calcmode="lin" valueType="num">
-                                      <p:cBhvr additive="base">
-                                        <p:cTn id="23" dur="2000" fill="hold"/>
-                                        <p:tgtEl>
-                                          <p:spTgt spid="3">
-                                            <p:txEl>
-                                              <p:pRg st="3" end="3"/>
-                                            </p:txEl>
-                                          </p:spTgt>
-                                        </p:tgtEl>
-                                        <p:attrNameLst>
-                                          <p:attrName>ppt_y</p:attrName>
-                                        </p:attrNameLst>
-                                      </p:cBhvr>
-                                      <p:tavLst>
-                                        <p:tav tm="0">
-                                          <p:val>
-                                            <p:strVal val="1+#ppt_h/2"/>
-                                          </p:val>
-                                        </p:tav>
-                                        <p:tav tm="100000">
-                                          <p:val>
-                                            <p:strVal val="#ppt_y"/>
-                                          </p:val>
-                                        </p:tav>
-                                      </p:tavLst>
-                                    </p:anim>
                                   </p:childTnLst>
                                 </p:cTn>
                               </p:par>
@@ -35376,20 +34384,20 @@
                           </p:cTn>
                         </p:par>
                         <p:par>
-                          <p:cTn id="24" fill="hold">
+                          <p:cTn id="16" fill="hold">
                             <p:stCondLst>
-                              <p:cond delay="8000"/>
+                              <p:cond delay="2000"/>
                             </p:stCondLst>
                             <p:childTnLst>
                               <p:par>
-                                <p:cTn id="25" presetID="2" presetClass="entr" presetSubtype="4" fill="hold" grpId="0" nodeType="afterEffect">
+                                <p:cTn id="17" presetID="1" presetClass="entr" presetSubtype="0" fill="hold" grpId="0" nodeType="afterEffect">
                                   <p:stCondLst>
-                                    <p:cond delay="0"/>
+                                    <p:cond delay="500"/>
                                   </p:stCondLst>
                                   <p:childTnLst>
                                     <p:set>
                                       <p:cBhvr>
-                                        <p:cTn id="26" dur="1" fill="hold">
+                                        <p:cTn id="18" dur="1" fill="hold">
                                           <p:stCondLst>
                                             <p:cond delay="0"/>
                                           </p:stCondLst>
@@ -35409,60 +34417,6 @@
                                         <p:strVal val="visible"/>
                                       </p:to>
                                     </p:set>
-                                    <p:anim calcmode="lin" valueType="num">
-                                      <p:cBhvr additive="base">
-                                        <p:cTn id="27" dur="2000" fill="hold"/>
-                                        <p:tgtEl>
-                                          <p:spTgt spid="3">
-                                            <p:txEl>
-                                              <p:pRg st="4" end="4"/>
-                                            </p:txEl>
-                                          </p:spTgt>
-                                        </p:tgtEl>
-                                        <p:attrNameLst>
-                                          <p:attrName>ppt_x</p:attrName>
-                                        </p:attrNameLst>
-                                      </p:cBhvr>
-                                      <p:tavLst>
-                                        <p:tav tm="0">
-                                          <p:val>
-                                            <p:strVal val="#ppt_x"/>
-                                          </p:val>
-                                        </p:tav>
-                                        <p:tav tm="100000">
-                                          <p:val>
-                                            <p:strVal val="#ppt_x"/>
-                                          </p:val>
-                                        </p:tav>
-                                      </p:tavLst>
-                                    </p:anim>
-                                    <p:anim calcmode="lin" valueType="num">
-                                      <p:cBhvr additive="base">
-                                        <p:cTn id="28" dur="2000" fill="hold"/>
-                                        <p:tgtEl>
-                                          <p:spTgt spid="3">
-                                            <p:txEl>
-                                              <p:pRg st="4" end="4"/>
-                                            </p:txEl>
-                                          </p:spTgt>
-                                        </p:tgtEl>
-                                        <p:attrNameLst>
-                                          <p:attrName>ppt_y</p:attrName>
-                                        </p:attrNameLst>
-                                      </p:cBhvr>
-                                      <p:tavLst>
-                                        <p:tav tm="0">
-                                          <p:val>
-                                            <p:strVal val="1+#ppt_h/2"/>
-                                          </p:val>
-                                        </p:tav>
-                                        <p:tav tm="100000">
-                                          <p:val>
-                                            <p:strVal val="#ppt_y"/>
-                                          </p:val>
-                                        </p:tav>
-                                      </p:tavLst>
-                                    </p:anim>
                                   </p:childTnLst>
                                 </p:cTn>
                               </p:par>
@@ -35470,20 +34424,20 @@
                           </p:cTn>
                         </p:par>
                         <p:par>
-                          <p:cTn id="29" fill="hold">
+                          <p:cTn id="19" fill="hold">
                             <p:stCondLst>
-                              <p:cond delay="10000"/>
+                              <p:cond delay="2500"/>
                             </p:stCondLst>
                             <p:childTnLst>
                               <p:par>
-                                <p:cTn id="30" presetID="2" presetClass="entr" presetSubtype="4" fill="hold" grpId="0" nodeType="afterEffect">
+                                <p:cTn id="20" presetID="1" presetClass="entr" presetSubtype="0" fill="hold" grpId="0" nodeType="afterEffect">
                                   <p:stCondLst>
-                                    <p:cond delay="0"/>
+                                    <p:cond delay="500"/>
                                   </p:stCondLst>
                                   <p:childTnLst>
                                     <p:set>
                                       <p:cBhvr>
-                                        <p:cTn id="31" dur="1" fill="hold">
+                                        <p:cTn id="21" dur="1" fill="hold">
                                           <p:stCondLst>
                                             <p:cond delay="0"/>
                                           </p:stCondLst>
@@ -35503,60 +34457,6 @@
                                         <p:strVal val="visible"/>
                                       </p:to>
                                     </p:set>
-                                    <p:anim calcmode="lin" valueType="num">
-                                      <p:cBhvr additive="base">
-                                        <p:cTn id="32" dur="2000" fill="hold"/>
-                                        <p:tgtEl>
-                                          <p:spTgt spid="3">
-                                            <p:txEl>
-                                              <p:pRg st="5" end="5"/>
-                                            </p:txEl>
-                                          </p:spTgt>
-                                        </p:tgtEl>
-                                        <p:attrNameLst>
-                                          <p:attrName>ppt_x</p:attrName>
-                                        </p:attrNameLst>
-                                      </p:cBhvr>
-                                      <p:tavLst>
-                                        <p:tav tm="0">
-                                          <p:val>
-                                            <p:strVal val="#ppt_x"/>
-                                          </p:val>
-                                        </p:tav>
-                                        <p:tav tm="100000">
-                                          <p:val>
-                                            <p:strVal val="#ppt_x"/>
-                                          </p:val>
-                                        </p:tav>
-                                      </p:tavLst>
-                                    </p:anim>
-                                    <p:anim calcmode="lin" valueType="num">
-                                      <p:cBhvr additive="base">
-                                        <p:cTn id="33" dur="2000" fill="hold"/>
-                                        <p:tgtEl>
-                                          <p:spTgt spid="3">
-                                            <p:txEl>
-                                              <p:pRg st="5" end="5"/>
-                                            </p:txEl>
-                                          </p:spTgt>
-                                        </p:tgtEl>
-                                        <p:attrNameLst>
-                                          <p:attrName>ppt_y</p:attrName>
-                                        </p:attrNameLst>
-                                      </p:cBhvr>
-                                      <p:tavLst>
-                                        <p:tav tm="0">
-                                          <p:val>
-                                            <p:strVal val="1+#ppt_h/2"/>
-                                          </p:val>
-                                        </p:tav>
-                                        <p:tav tm="100000">
-                                          <p:val>
-                                            <p:strVal val="#ppt_y"/>
-                                          </p:val>
-                                        </p:tav>
-                                      </p:tavLst>
-                                    </p:anim>
                                   </p:childTnLst>
                                 </p:cTn>
                               </p:par>
@@ -35564,20 +34464,20 @@
                           </p:cTn>
                         </p:par>
                         <p:par>
-                          <p:cTn id="34" fill="hold">
+                          <p:cTn id="22" fill="hold">
                             <p:stCondLst>
-                              <p:cond delay="12000"/>
+                              <p:cond delay="3000"/>
                             </p:stCondLst>
                             <p:childTnLst>
                               <p:par>
-                                <p:cTn id="35" presetID="2" presetClass="entr" presetSubtype="4" fill="hold" grpId="0" nodeType="afterEffect">
+                                <p:cTn id="23" presetID="1" presetClass="entr" presetSubtype="0" fill="hold" grpId="0" nodeType="afterEffect">
                                   <p:stCondLst>
-                                    <p:cond delay="0"/>
+                                    <p:cond delay="500"/>
                                   </p:stCondLst>
                                   <p:childTnLst>
                                     <p:set>
                                       <p:cBhvr>
-                                        <p:cTn id="36" dur="1" fill="hold">
+                                        <p:cTn id="24" dur="1" fill="hold">
                                           <p:stCondLst>
                                             <p:cond delay="0"/>
                                           </p:stCondLst>
@@ -35597,9 +34497,271 @@
                                         <p:strVal val="visible"/>
                                       </p:to>
                                     </p:set>
-                                    <p:anim calcmode="lin" valueType="num">
-                                      <p:cBhvr additive="base">
-                                        <p:cTn id="37" dur="2000" fill="hold"/>
+                                  </p:childTnLst>
+                                </p:cTn>
+                              </p:par>
+                            </p:childTnLst>
+                          </p:cTn>
+                        </p:par>
+                        <p:par>
+                          <p:cTn id="25" fill="hold">
+                            <p:stCondLst>
+                              <p:cond delay="3500"/>
+                            </p:stCondLst>
+                            <p:childTnLst>
+                              <p:par>
+                                <p:cTn id="26" presetID="1" presetClass="entr" presetSubtype="0" fill="hold" grpId="1" nodeType="afterEffect">
+                                  <p:stCondLst>
+                                    <p:cond delay="0"/>
+                                  </p:stCondLst>
+                                  <p:childTnLst>
+                                    <p:set>
+                                      <p:cBhvr>
+                                        <p:cTn id="27" dur="1" fill="hold">
+                                          <p:stCondLst>
+                                            <p:cond delay="0"/>
+                                          </p:stCondLst>
+                                        </p:cTn>
+                                        <p:tgtEl>
+                                          <p:spTgt spid="3">
+                                            <p:txEl>
+                                              <p:pRg st="0" end="0"/>
+                                            </p:txEl>
+                                          </p:spTgt>
+                                        </p:tgtEl>
+                                        <p:attrNameLst>
+                                          <p:attrName>style.visibility</p:attrName>
+                                        </p:attrNameLst>
+                                      </p:cBhvr>
+                                      <p:to>
+                                        <p:strVal val="visible"/>
+                                      </p:to>
+                                    </p:set>
+                                  </p:childTnLst>
+                                </p:cTn>
+                              </p:par>
+                            </p:childTnLst>
+                          </p:cTn>
+                        </p:par>
+                        <p:par>
+                          <p:cTn id="28" fill="hold">
+                            <p:stCondLst>
+                              <p:cond delay="3500"/>
+                            </p:stCondLst>
+                            <p:childTnLst>
+                              <p:par>
+                                <p:cTn id="29" presetID="1" presetClass="entr" presetSubtype="0" fill="hold" grpId="1" nodeType="afterEffect">
+                                  <p:stCondLst>
+                                    <p:cond delay="0"/>
+                                  </p:stCondLst>
+                                  <p:childTnLst>
+                                    <p:set>
+                                      <p:cBhvr>
+                                        <p:cTn id="30" dur="1" fill="hold">
+                                          <p:stCondLst>
+                                            <p:cond delay="0"/>
+                                          </p:stCondLst>
+                                        </p:cTn>
+                                        <p:tgtEl>
+                                          <p:spTgt spid="3">
+                                            <p:txEl>
+                                              <p:pRg st="1" end="1"/>
+                                            </p:txEl>
+                                          </p:spTgt>
+                                        </p:tgtEl>
+                                        <p:attrNameLst>
+                                          <p:attrName>style.visibility</p:attrName>
+                                        </p:attrNameLst>
+                                      </p:cBhvr>
+                                      <p:to>
+                                        <p:strVal val="visible"/>
+                                      </p:to>
+                                    </p:set>
+                                  </p:childTnLst>
+                                </p:cTn>
+                              </p:par>
+                            </p:childTnLst>
+                          </p:cTn>
+                        </p:par>
+                        <p:par>
+                          <p:cTn id="31" fill="hold">
+                            <p:stCondLst>
+                              <p:cond delay="3500"/>
+                            </p:stCondLst>
+                            <p:childTnLst>
+                              <p:par>
+                                <p:cTn id="32" presetID="1" presetClass="entr" presetSubtype="0" fill="hold" grpId="1" nodeType="afterEffect">
+                                  <p:stCondLst>
+                                    <p:cond delay="0"/>
+                                  </p:stCondLst>
+                                  <p:childTnLst>
+                                    <p:set>
+                                      <p:cBhvr>
+                                        <p:cTn id="33" dur="1" fill="hold">
+                                          <p:stCondLst>
+                                            <p:cond delay="0"/>
+                                          </p:stCondLst>
+                                        </p:cTn>
+                                        <p:tgtEl>
+                                          <p:spTgt spid="3">
+                                            <p:txEl>
+                                              <p:pRg st="2" end="2"/>
+                                            </p:txEl>
+                                          </p:spTgt>
+                                        </p:tgtEl>
+                                        <p:attrNameLst>
+                                          <p:attrName>style.visibility</p:attrName>
+                                        </p:attrNameLst>
+                                      </p:cBhvr>
+                                      <p:to>
+                                        <p:strVal val="visible"/>
+                                      </p:to>
+                                    </p:set>
+                                  </p:childTnLst>
+                                </p:cTn>
+                              </p:par>
+                            </p:childTnLst>
+                          </p:cTn>
+                        </p:par>
+                        <p:par>
+                          <p:cTn id="34" fill="hold">
+                            <p:stCondLst>
+                              <p:cond delay="3500"/>
+                            </p:stCondLst>
+                            <p:childTnLst>
+                              <p:par>
+                                <p:cTn id="35" presetID="1" presetClass="entr" presetSubtype="0" fill="hold" grpId="1" nodeType="afterEffect">
+                                  <p:stCondLst>
+                                    <p:cond delay="0"/>
+                                  </p:stCondLst>
+                                  <p:childTnLst>
+                                    <p:set>
+                                      <p:cBhvr>
+                                        <p:cTn id="36" dur="1" fill="hold">
+                                          <p:stCondLst>
+                                            <p:cond delay="0"/>
+                                          </p:stCondLst>
+                                        </p:cTn>
+                                        <p:tgtEl>
+                                          <p:spTgt spid="3">
+                                            <p:txEl>
+                                              <p:pRg st="3" end="3"/>
+                                            </p:txEl>
+                                          </p:spTgt>
+                                        </p:tgtEl>
+                                        <p:attrNameLst>
+                                          <p:attrName>style.visibility</p:attrName>
+                                        </p:attrNameLst>
+                                      </p:cBhvr>
+                                      <p:to>
+                                        <p:strVal val="visible"/>
+                                      </p:to>
+                                    </p:set>
+                                  </p:childTnLst>
+                                </p:cTn>
+                              </p:par>
+                            </p:childTnLst>
+                          </p:cTn>
+                        </p:par>
+                        <p:par>
+                          <p:cTn id="37" fill="hold">
+                            <p:stCondLst>
+                              <p:cond delay="3500"/>
+                            </p:stCondLst>
+                            <p:childTnLst>
+                              <p:par>
+                                <p:cTn id="38" presetID="1" presetClass="entr" presetSubtype="0" fill="hold" grpId="1" nodeType="afterEffect">
+                                  <p:stCondLst>
+                                    <p:cond delay="0"/>
+                                  </p:stCondLst>
+                                  <p:childTnLst>
+                                    <p:set>
+                                      <p:cBhvr>
+                                        <p:cTn id="39" dur="1" fill="hold">
+                                          <p:stCondLst>
+                                            <p:cond delay="0"/>
+                                          </p:stCondLst>
+                                        </p:cTn>
+                                        <p:tgtEl>
+                                          <p:spTgt spid="3">
+                                            <p:txEl>
+                                              <p:pRg st="4" end="4"/>
+                                            </p:txEl>
+                                          </p:spTgt>
+                                        </p:tgtEl>
+                                        <p:attrNameLst>
+                                          <p:attrName>style.visibility</p:attrName>
+                                        </p:attrNameLst>
+                                      </p:cBhvr>
+                                      <p:to>
+                                        <p:strVal val="visible"/>
+                                      </p:to>
+                                    </p:set>
+                                  </p:childTnLst>
+                                </p:cTn>
+                              </p:par>
+                            </p:childTnLst>
+                          </p:cTn>
+                        </p:par>
+                        <p:par>
+                          <p:cTn id="40" fill="hold">
+                            <p:stCondLst>
+                              <p:cond delay="3500"/>
+                            </p:stCondLst>
+                            <p:childTnLst>
+                              <p:par>
+                                <p:cTn id="41" presetID="1" presetClass="entr" presetSubtype="0" fill="hold" grpId="1" nodeType="afterEffect">
+                                  <p:stCondLst>
+                                    <p:cond delay="0"/>
+                                  </p:stCondLst>
+                                  <p:childTnLst>
+                                    <p:set>
+                                      <p:cBhvr>
+                                        <p:cTn id="42" dur="1" fill="hold">
+                                          <p:stCondLst>
+                                            <p:cond delay="0"/>
+                                          </p:stCondLst>
+                                        </p:cTn>
+                                        <p:tgtEl>
+                                          <p:spTgt spid="3">
+                                            <p:txEl>
+                                              <p:pRg st="5" end="5"/>
+                                            </p:txEl>
+                                          </p:spTgt>
+                                        </p:tgtEl>
+                                        <p:attrNameLst>
+                                          <p:attrName>style.visibility</p:attrName>
+                                        </p:attrNameLst>
+                                      </p:cBhvr>
+                                      <p:to>
+                                        <p:strVal val="visible"/>
+                                      </p:to>
+                                    </p:set>
+                                  </p:childTnLst>
+                                </p:cTn>
+                              </p:par>
+                            </p:childTnLst>
+                          </p:cTn>
+                        </p:par>
+                        <p:par>
+                          <p:cTn id="43" fill="hold">
+                            <p:stCondLst>
+                              <p:cond delay="3500"/>
+                            </p:stCondLst>
+                            <p:childTnLst>
+                              <p:par>
+                                <p:cTn id="44" presetID="1" presetClass="entr" presetSubtype="0" fill="hold" grpId="1" nodeType="afterEffect">
+                                  <p:stCondLst>
+                                    <p:cond delay="0"/>
+                                  </p:stCondLst>
+                                  <p:childTnLst>
+                                    <p:set>
+                                      <p:cBhvr>
+                                        <p:cTn id="45" dur="1" fill="hold">
+                                          <p:stCondLst>
+                                            <p:cond delay="0"/>
+                                          </p:stCondLst>
+                                        </p:cTn>
                                         <p:tgtEl>
                                           <p:spTgt spid="3">
                                             <p:txEl>
@@ -35608,49 +34770,13 @@
                                           </p:spTgt>
                                         </p:tgtEl>
                                         <p:attrNameLst>
-                                          <p:attrName>ppt_x</p:attrName>
+                                          <p:attrName>style.visibility</p:attrName>
                                         </p:attrNameLst>
                                       </p:cBhvr>
-                                      <p:tavLst>
-                                        <p:tav tm="0">
-                                          <p:val>
-                                            <p:strVal val="#ppt_x"/>
-                                          </p:val>
-                                        </p:tav>
-                                        <p:tav tm="100000">
-                                          <p:val>
-                                            <p:strVal val="#ppt_x"/>
-                                          </p:val>
-                                        </p:tav>
-                                      </p:tavLst>
-                                    </p:anim>
-                                    <p:anim calcmode="lin" valueType="num">
-                                      <p:cBhvr additive="base">
-                                        <p:cTn id="38" dur="2000" fill="hold"/>
-                                        <p:tgtEl>
-                                          <p:spTgt spid="3">
-                                            <p:txEl>
-                                              <p:pRg st="6" end="6"/>
-                                            </p:txEl>
-                                          </p:spTgt>
-                                        </p:tgtEl>
-                                        <p:attrNameLst>
-                                          <p:attrName>ppt_y</p:attrName>
-                                        </p:attrNameLst>
-                                      </p:cBhvr>
-                                      <p:tavLst>
-                                        <p:tav tm="0">
-                                          <p:val>
-                                            <p:strVal val="1+#ppt_h/2"/>
-                                          </p:val>
-                                        </p:tav>
-                                        <p:tav tm="100000">
-                                          <p:val>
-                                            <p:strVal val="#ppt_y"/>
-                                          </p:val>
-                                        </p:tav>
-                                      </p:tavLst>
-                                    </p:anim>
+                                      <p:to>
+                                        <p:strVal val="visible"/>
+                                      </p:to>
+                                    </p:set>
                                   </p:childTnLst>
                                 </p:cTn>
                               </p:par>
@@ -35683,6 +34809,7 @@
     </p:tnLst>
     <p:bldLst>
       <p:bldP spid="3" grpId="0" uiExpand="1" build="p"/>
+      <p:bldP spid="3" grpId="1" build="p"/>
     </p:bldLst>
   </p:timing>
 </p:sld>
@@ -36153,11 +35280,7 @@
           <a:p>
             <a:r>
               <a:rPr lang="en-US" baseline="0" dirty="0" smtClean="0"/>
-              <a:t>Respond </a:t>
-            </a:r>
-            <a:r>
-              <a:rPr lang="en-US" baseline="0" dirty="0" smtClean="0"/>
-              <a:t>to risk</a:t>
+              <a:t>Respond to risk</a:t>
             </a:r>
             <a:endParaRPr lang="en-US" dirty="0"/>
           </a:p>
@@ -36470,11 +35593,7 @@
             </a:r>
             <a:r>
               <a:rPr lang="en-US" baseline="0" dirty="0" smtClean="0"/>
-              <a:t> </a:t>
-            </a:r>
-            <a:r>
-              <a:rPr lang="en-US" baseline="0" dirty="0" smtClean="0"/>
-              <a:t>risk</a:t>
+              <a:t> risk</a:t>
             </a:r>
             <a:endParaRPr lang="en-US" dirty="0"/>
           </a:p>
@@ -37439,7 +36558,6 @@
               <a:rPr lang="en-US" i="0" dirty="0" smtClean="0"/>
               <a:t>Threat</a:t>
             </a:r>
-            <a:endParaRPr lang="en-US" i="0" dirty="0" smtClean="0"/>
           </a:p>
           <a:p>
             <a:pPr lvl="1"/>
@@ -37461,7 +36579,6 @@
               <a:rPr lang="en-US" i="0" dirty="0" smtClean="0"/>
               <a:t>Likelihood</a:t>
             </a:r>
-            <a:endParaRPr lang="en-US" i="0" dirty="0" smtClean="0"/>
           </a:p>
           <a:p>
             <a:pPr lvl="1"/>
@@ -39236,11 +38353,7 @@
           <a:p>
             <a:r>
               <a:rPr lang="en-US" baseline="0" dirty="0" smtClean="0"/>
-              <a:t>Assess </a:t>
-            </a:r>
-            <a:r>
-              <a:rPr lang="en-US" baseline="0" dirty="0" smtClean="0"/>
-              <a:t>risk</a:t>
+              <a:t>Assess risk</a:t>
             </a:r>
             <a:endParaRPr lang="en-US" dirty="0"/>
           </a:p>

--- a/Risky NIST ecommerce.pptx
+++ b/Risky NIST ecommerce.pptx
@@ -15849,7 +15849,25 @@
             </a:r>
             <a:r>
               <a:rPr lang="en-US" dirty="0" smtClean="0"/>
-              <a:t>or
+              <a:t>or</a:t>
+            </a:r>
+          </a:p>
+          <a:p>
+            <a:r>
+              <a:rPr lang="en-US" dirty="0" smtClean="0"/>
+              <a:t> - this can also have the beneficial effect of requiring</a:t>
+            </a:r>
+            <a:r>
+              <a:rPr lang="en-US" baseline="0" dirty="0" smtClean="0"/>
+              <a:t> you to identify your </a:t>
+            </a:r>
+            <a:r>
+              <a:rPr lang="en-US" baseline="0" smtClean="0"/>
+              <a:t>valuable assets</a:t>
+            </a:r>
+            <a:r>
+              <a:rPr lang="en-US" dirty="0" smtClean="0"/>
+              <a:t>
 vulnerability oriented (the risk that identified vulnerabilities</a:t>
             </a:r>
             <a:r>

--- a/Risky NIST ecommerce.pptx
+++ b/Risky NIST ecommerce.pptx
@@ -7927,6 +7927,530 @@
       <dsp:cNvGrpSpPr/>
     </dsp:nvGrpSpPr>
     <dsp:grpSpPr/>
+    <dsp:sp modelId="{3B6E598B-6DAE-4E70-85F2-82CA2A4C7810}">
+      <dsp:nvSpPr>
+        <dsp:cNvPr id="0" name=""/>
+        <dsp:cNvSpPr/>
+      </dsp:nvSpPr>
+      <dsp:spPr>
+        <a:xfrm>
+          <a:off x="1812" y="0"/>
+          <a:ext cx="1899456" cy="4114800"/>
+        </a:xfrm>
+        <a:prstGeom prst="roundRect">
+          <a:avLst>
+            <a:gd name="adj" fmla="val 10000"/>
+          </a:avLst>
+        </a:prstGeom>
+        <a:solidFill>
+          <a:schemeClr val="tx2">
+            <a:lumMod val="60000"/>
+            <a:lumOff val="40000"/>
+          </a:schemeClr>
+        </a:solidFill>
+        <a:ln w="25400" cap="flat" cmpd="sng" algn="ctr">
+          <a:solidFill>
+            <a:schemeClr val="lt1">
+              <a:hueOff val="0"/>
+              <a:satOff val="0"/>
+              <a:lumOff val="0"/>
+              <a:alphaOff val="0"/>
+            </a:schemeClr>
+          </a:solidFill>
+          <a:prstDash val="solid"/>
+        </a:ln>
+        <a:effectLst/>
+      </dsp:spPr>
+      <dsp:style>
+        <a:lnRef idx="2">
+          <a:scrgbClr r="0" g="0" b="0"/>
+        </a:lnRef>
+        <a:fillRef idx="1">
+          <a:scrgbClr r="0" g="0" b="0"/>
+        </a:fillRef>
+        <a:effectRef idx="0">
+          <a:scrgbClr r="0" g="0" b="0"/>
+        </a:effectRef>
+        <a:fontRef idx="minor">
+          <a:schemeClr val="lt1"/>
+        </a:fontRef>
+      </dsp:style>
+      <dsp:txBody>
+        <a:bodyPr spcFirstLastPara="0" vert="horz" wrap="square" lIns="213360" tIns="213360" rIns="213360" bIns="213360" numCol="1" spcCol="1270" anchor="ctr" anchorCtr="0">
+          <a:noAutofit/>
+        </a:bodyPr>
+        <a:lstStyle/>
+        <a:p>
+          <a:pPr lvl="0" algn="ctr" defTabSz="1333500" rtl="0">
+            <a:lnSpc>
+              <a:spcPct val="90000"/>
+            </a:lnSpc>
+            <a:spcBef>
+              <a:spcPct val="0"/>
+            </a:spcBef>
+            <a:spcAft>
+              <a:spcPct val="35000"/>
+            </a:spcAft>
+          </a:pPr>
+          <a:r>
+            <a:rPr lang="en-US" sz="3000" kern="1200" dirty="0" smtClean="0"/>
+            <a:t>Accept</a:t>
+          </a:r>
+          <a:endParaRPr lang="en-US" sz="3000" kern="1200" dirty="0"/>
+        </a:p>
+      </dsp:txBody>
+      <dsp:txXfrm>
+        <a:off x="1812" y="1645920"/>
+        <a:ext cx="1899456" cy="1645920"/>
+      </dsp:txXfrm>
+    </dsp:sp>
+    <dsp:sp modelId="{2A8D8CDC-2693-45FA-A5DB-2F3FB698E234}">
+      <dsp:nvSpPr>
+        <dsp:cNvPr id="0" name=""/>
+        <dsp:cNvSpPr/>
+      </dsp:nvSpPr>
+      <dsp:spPr>
+        <a:xfrm>
+          <a:off x="266426" y="246888"/>
+          <a:ext cx="1370228" cy="1370228"/>
+        </a:xfrm>
+        <a:prstGeom prst="ellipse">
+          <a:avLst/>
+        </a:prstGeom>
+        <a:solidFill>
+          <a:schemeClr val="accent1"/>
+        </a:solidFill>
+        <a:ln w="25400" cap="flat" cmpd="sng" algn="ctr">
+          <a:solidFill>
+            <a:schemeClr val="lt1">
+              <a:hueOff val="0"/>
+              <a:satOff val="0"/>
+              <a:lumOff val="0"/>
+              <a:alphaOff val="0"/>
+            </a:schemeClr>
+          </a:solidFill>
+          <a:prstDash val="solid"/>
+        </a:ln>
+        <a:effectLst/>
+      </dsp:spPr>
+      <dsp:style>
+        <a:lnRef idx="2">
+          <a:scrgbClr r="0" g="0" b="0"/>
+        </a:lnRef>
+        <a:fillRef idx="1">
+          <a:scrgbClr r="0" g="0" b="0"/>
+        </a:fillRef>
+        <a:effectRef idx="0">
+          <a:scrgbClr r="0" g="0" b="0"/>
+        </a:effectRef>
+        <a:fontRef idx="minor"/>
+      </dsp:style>
+    </dsp:sp>
+    <dsp:sp modelId="{03DD43EF-493F-40C1-916C-B1F6C5B7EB71}">
+      <dsp:nvSpPr>
+        <dsp:cNvPr id="0" name=""/>
+        <dsp:cNvSpPr/>
+      </dsp:nvSpPr>
+      <dsp:spPr>
+        <a:xfrm>
+          <a:off x="1958252" y="0"/>
+          <a:ext cx="1899456" cy="4114800"/>
+        </a:xfrm>
+        <a:prstGeom prst="roundRect">
+          <a:avLst>
+            <a:gd name="adj" fmla="val 10000"/>
+          </a:avLst>
+        </a:prstGeom>
+        <a:solidFill>
+          <a:schemeClr val="tx2">
+            <a:lumMod val="60000"/>
+            <a:lumOff val="40000"/>
+          </a:schemeClr>
+        </a:solidFill>
+        <a:ln w="25400" cap="flat" cmpd="sng" algn="ctr">
+          <a:solidFill>
+            <a:schemeClr val="lt1">
+              <a:hueOff val="0"/>
+              <a:satOff val="0"/>
+              <a:lumOff val="0"/>
+              <a:alphaOff val="0"/>
+            </a:schemeClr>
+          </a:solidFill>
+          <a:prstDash val="solid"/>
+        </a:ln>
+        <a:effectLst/>
+      </dsp:spPr>
+      <dsp:style>
+        <a:lnRef idx="2">
+          <a:scrgbClr r="0" g="0" b="0"/>
+        </a:lnRef>
+        <a:fillRef idx="1">
+          <a:scrgbClr r="0" g="0" b="0"/>
+        </a:fillRef>
+        <a:effectRef idx="0">
+          <a:scrgbClr r="0" g="0" b="0"/>
+        </a:effectRef>
+        <a:fontRef idx="minor">
+          <a:schemeClr val="lt1"/>
+        </a:fontRef>
+      </dsp:style>
+      <dsp:txBody>
+        <a:bodyPr spcFirstLastPara="0" vert="horz" wrap="square" lIns="213360" tIns="213360" rIns="213360" bIns="213360" numCol="1" spcCol="1270" anchor="ctr" anchorCtr="0">
+          <a:noAutofit/>
+        </a:bodyPr>
+        <a:lstStyle/>
+        <a:p>
+          <a:pPr lvl="0" algn="ctr" defTabSz="1333500" rtl="0">
+            <a:lnSpc>
+              <a:spcPct val="90000"/>
+            </a:lnSpc>
+            <a:spcBef>
+              <a:spcPct val="0"/>
+            </a:spcBef>
+            <a:spcAft>
+              <a:spcPct val="35000"/>
+            </a:spcAft>
+          </a:pPr>
+          <a:r>
+            <a:rPr lang="en-US" sz="3000" kern="1200" dirty="0" smtClean="0"/>
+            <a:t>Mitigate</a:t>
+          </a:r>
+          <a:endParaRPr lang="en-US" sz="3000" kern="1200" dirty="0"/>
+        </a:p>
+      </dsp:txBody>
+      <dsp:txXfrm>
+        <a:off x="1958252" y="1645920"/>
+        <a:ext cx="1899456" cy="1645920"/>
+      </dsp:txXfrm>
+    </dsp:sp>
+    <dsp:sp modelId="{0EB90672-926F-4CC4-AE7E-CAB8102CB5FF}">
+      <dsp:nvSpPr>
+        <dsp:cNvPr id="0" name=""/>
+        <dsp:cNvSpPr/>
+      </dsp:nvSpPr>
+      <dsp:spPr>
+        <a:xfrm>
+          <a:off x="2222865" y="246888"/>
+          <a:ext cx="1370228" cy="1370228"/>
+        </a:xfrm>
+        <a:prstGeom prst="ellipse">
+          <a:avLst/>
+        </a:prstGeom>
+        <a:solidFill>
+          <a:schemeClr val="accent1"/>
+        </a:solidFill>
+        <a:ln w="25400" cap="flat" cmpd="sng" algn="ctr">
+          <a:solidFill>
+            <a:schemeClr val="lt1">
+              <a:hueOff val="0"/>
+              <a:satOff val="0"/>
+              <a:lumOff val="0"/>
+              <a:alphaOff val="0"/>
+            </a:schemeClr>
+          </a:solidFill>
+          <a:prstDash val="solid"/>
+        </a:ln>
+        <a:effectLst/>
+      </dsp:spPr>
+      <dsp:style>
+        <a:lnRef idx="2">
+          <a:scrgbClr r="0" g="0" b="0"/>
+        </a:lnRef>
+        <a:fillRef idx="1">
+          <a:scrgbClr r="0" g="0" b="0"/>
+        </a:fillRef>
+        <a:effectRef idx="0">
+          <a:scrgbClr r="0" g="0" b="0"/>
+        </a:effectRef>
+        <a:fontRef idx="minor"/>
+      </dsp:style>
+    </dsp:sp>
+    <dsp:sp modelId="{8053CA77-5317-4462-A3CA-E5C7A877E298}">
+      <dsp:nvSpPr>
+        <dsp:cNvPr id="0" name=""/>
+        <dsp:cNvSpPr/>
+      </dsp:nvSpPr>
+      <dsp:spPr>
+        <a:xfrm>
+          <a:off x="3914691" y="0"/>
+          <a:ext cx="1899456" cy="4114800"/>
+        </a:xfrm>
+        <a:prstGeom prst="roundRect">
+          <a:avLst>
+            <a:gd name="adj" fmla="val 10000"/>
+          </a:avLst>
+        </a:prstGeom>
+        <a:solidFill>
+          <a:schemeClr val="tx2">
+            <a:lumMod val="60000"/>
+            <a:lumOff val="40000"/>
+          </a:schemeClr>
+        </a:solidFill>
+        <a:ln w="25400" cap="flat" cmpd="sng" algn="ctr">
+          <a:solidFill>
+            <a:schemeClr val="lt1">
+              <a:hueOff val="0"/>
+              <a:satOff val="0"/>
+              <a:lumOff val="0"/>
+              <a:alphaOff val="0"/>
+            </a:schemeClr>
+          </a:solidFill>
+          <a:prstDash val="solid"/>
+        </a:ln>
+        <a:effectLst/>
+      </dsp:spPr>
+      <dsp:style>
+        <a:lnRef idx="2">
+          <a:scrgbClr r="0" g="0" b="0"/>
+        </a:lnRef>
+        <a:fillRef idx="1">
+          <a:scrgbClr r="0" g="0" b="0"/>
+        </a:fillRef>
+        <a:effectRef idx="0">
+          <a:scrgbClr r="0" g="0" b="0"/>
+        </a:effectRef>
+        <a:fontRef idx="minor">
+          <a:schemeClr val="lt1"/>
+        </a:fontRef>
+      </dsp:style>
+      <dsp:txBody>
+        <a:bodyPr spcFirstLastPara="0" vert="horz" wrap="square" lIns="213360" tIns="213360" rIns="213360" bIns="213360" numCol="1" spcCol="1270" anchor="ctr" anchorCtr="0">
+          <a:noAutofit/>
+        </a:bodyPr>
+        <a:lstStyle/>
+        <a:p>
+          <a:pPr lvl="0" algn="ctr" defTabSz="1333500" rtl="0">
+            <a:lnSpc>
+              <a:spcPct val="90000"/>
+            </a:lnSpc>
+            <a:spcBef>
+              <a:spcPct val="0"/>
+            </a:spcBef>
+            <a:spcAft>
+              <a:spcPct val="35000"/>
+            </a:spcAft>
+          </a:pPr>
+          <a:r>
+            <a:rPr lang="en-US" sz="3000" kern="1200" dirty="0" smtClean="0"/>
+            <a:t>Share or transfer</a:t>
+          </a:r>
+          <a:endParaRPr lang="en-US" sz="3000" kern="1200" dirty="0"/>
+        </a:p>
+      </dsp:txBody>
+      <dsp:txXfrm>
+        <a:off x="3914691" y="1645920"/>
+        <a:ext cx="1899456" cy="1645920"/>
+      </dsp:txXfrm>
+    </dsp:sp>
+    <dsp:sp modelId="{8A61A120-ECD6-4F28-B03A-F8EFFF381FC1}">
+      <dsp:nvSpPr>
+        <dsp:cNvPr id="0" name=""/>
+        <dsp:cNvSpPr/>
+      </dsp:nvSpPr>
+      <dsp:spPr>
+        <a:xfrm>
+          <a:off x="4179305" y="246888"/>
+          <a:ext cx="1370228" cy="1370228"/>
+        </a:xfrm>
+        <a:prstGeom prst="ellipse">
+          <a:avLst/>
+        </a:prstGeom>
+        <a:solidFill>
+          <a:schemeClr val="accent1"/>
+        </a:solidFill>
+        <a:ln w="25400" cap="flat" cmpd="sng" algn="ctr">
+          <a:solidFill>
+            <a:schemeClr val="lt1">
+              <a:hueOff val="0"/>
+              <a:satOff val="0"/>
+              <a:lumOff val="0"/>
+              <a:alphaOff val="0"/>
+            </a:schemeClr>
+          </a:solidFill>
+          <a:prstDash val="solid"/>
+        </a:ln>
+        <a:effectLst/>
+      </dsp:spPr>
+      <dsp:style>
+        <a:lnRef idx="2">
+          <a:scrgbClr r="0" g="0" b="0"/>
+        </a:lnRef>
+        <a:fillRef idx="1">
+          <a:scrgbClr r="0" g="0" b="0"/>
+        </a:fillRef>
+        <a:effectRef idx="0">
+          <a:scrgbClr r="0" g="0" b="0"/>
+        </a:effectRef>
+        <a:fontRef idx="minor"/>
+      </dsp:style>
+    </dsp:sp>
+    <dsp:sp modelId="{47792184-9268-40B5-9D88-F160D92AFB5B}">
+      <dsp:nvSpPr>
+        <dsp:cNvPr id="0" name=""/>
+        <dsp:cNvSpPr/>
+      </dsp:nvSpPr>
+      <dsp:spPr>
+        <a:xfrm>
+          <a:off x="5871131" y="0"/>
+          <a:ext cx="1899456" cy="4114800"/>
+        </a:xfrm>
+        <a:prstGeom prst="roundRect">
+          <a:avLst>
+            <a:gd name="adj" fmla="val 10000"/>
+          </a:avLst>
+        </a:prstGeom>
+        <a:solidFill>
+          <a:schemeClr val="tx2">
+            <a:lumMod val="60000"/>
+            <a:lumOff val="40000"/>
+          </a:schemeClr>
+        </a:solidFill>
+        <a:ln w="25400" cap="flat" cmpd="sng" algn="ctr">
+          <a:solidFill>
+            <a:schemeClr val="lt1">
+              <a:hueOff val="0"/>
+              <a:satOff val="0"/>
+              <a:lumOff val="0"/>
+              <a:alphaOff val="0"/>
+            </a:schemeClr>
+          </a:solidFill>
+          <a:prstDash val="solid"/>
+        </a:ln>
+        <a:effectLst/>
+      </dsp:spPr>
+      <dsp:style>
+        <a:lnRef idx="2">
+          <a:scrgbClr r="0" g="0" b="0"/>
+        </a:lnRef>
+        <a:fillRef idx="1">
+          <a:scrgbClr r="0" g="0" b="0"/>
+        </a:fillRef>
+        <a:effectRef idx="0">
+          <a:scrgbClr r="0" g="0" b="0"/>
+        </a:effectRef>
+        <a:fontRef idx="minor">
+          <a:schemeClr val="lt1"/>
+        </a:fontRef>
+      </dsp:style>
+      <dsp:txBody>
+        <a:bodyPr spcFirstLastPara="0" vert="horz" wrap="square" lIns="213360" tIns="213360" rIns="213360" bIns="213360" numCol="1" spcCol="1270" anchor="ctr" anchorCtr="0">
+          <a:noAutofit/>
+        </a:bodyPr>
+        <a:lstStyle/>
+        <a:p>
+          <a:pPr lvl="0" algn="ctr" defTabSz="1333500" rtl="0">
+            <a:lnSpc>
+              <a:spcPct val="90000"/>
+            </a:lnSpc>
+            <a:spcBef>
+              <a:spcPct val="0"/>
+            </a:spcBef>
+            <a:spcAft>
+              <a:spcPct val="35000"/>
+            </a:spcAft>
+          </a:pPr>
+          <a:r>
+            <a:rPr lang="en-US" sz="3000" kern="1200" dirty="0" smtClean="0"/>
+            <a:t>Avoid</a:t>
+          </a:r>
+          <a:endParaRPr lang="en-US" sz="3000" kern="1200" dirty="0"/>
+        </a:p>
+      </dsp:txBody>
+      <dsp:txXfrm>
+        <a:off x="5871131" y="1645920"/>
+        <a:ext cx="1899456" cy="1645920"/>
+      </dsp:txXfrm>
+    </dsp:sp>
+    <dsp:sp modelId="{9160D8AD-FA4F-4339-AA97-C7C7D484EF35}">
+      <dsp:nvSpPr>
+        <dsp:cNvPr id="0" name=""/>
+        <dsp:cNvSpPr/>
+      </dsp:nvSpPr>
+      <dsp:spPr>
+        <a:xfrm>
+          <a:off x="6135745" y="246888"/>
+          <a:ext cx="1370228" cy="1370228"/>
+        </a:xfrm>
+        <a:prstGeom prst="ellipse">
+          <a:avLst/>
+        </a:prstGeom>
+        <a:solidFill>
+          <a:schemeClr val="accent1"/>
+        </a:solidFill>
+        <a:ln w="25400" cap="flat" cmpd="sng" algn="ctr">
+          <a:solidFill>
+            <a:schemeClr val="lt1">
+              <a:hueOff val="0"/>
+              <a:satOff val="0"/>
+              <a:lumOff val="0"/>
+              <a:alphaOff val="0"/>
+            </a:schemeClr>
+          </a:solidFill>
+          <a:prstDash val="solid"/>
+        </a:ln>
+        <a:effectLst/>
+      </dsp:spPr>
+      <dsp:style>
+        <a:lnRef idx="2">
+          <a:scrgbClr r="0" g="0" b="0"/>
+        </a:lnRef>
+        <a:fillRef idx="1">
+          <a:scrgbClr r="0" g="0" b="0"/>
+        </a:fillRef>
+        <a:effectRef idx="0">
+          <a:scrgbClr r="0" g="0" b="0"/>
+        </a:effectRef>
+        <a:fontRef idx="minor"/>
+      </dsp:style>
+    </dsp:sp>
+    <dsp:sp modelId="{EFFB8FFC-E0FB-4159-A3A6-9AA5DF9FEC72}">
+      <dsp:nvSpPr>
+        <dsp:cNvPr id="0" name=""/>
+        <dsp:cNvSpPr/>
+      </dsp:nvSpPr>
+      <dsp:spPr>
+        <a:xfrm>
+          <a:off x="310895" y="3291840"/>
+          <a:ext cx="7150608" cy="617220"/>
+        </a:xfrm>
+        <a:prstGeom prst="leftRightArrow">
+          <a:avLst/>
+        </a:prstGeom>
+        <a:solidFill>
+          <a:schemeClr val="accent1">
+            <a:tint val="60000"/>
+            <a:hueOff val="0"/>
+            <a:satOff val="0"/>
+            <a:lumOff val="0"/>
+            <a:alphaOff val="0"/>
+          </a:schemeClr>
+        </a:solidFill>
+        <a:ln w="25400" cap="flat" cmpd="sng" algn="ctr">
+          <a:solidFill>
+            <a:schemeClr val="lt1">
+              <a:hueOff val="0"/>
+              <a:satOff val="0"/>
+              <a:lumOff val="0"/>
+              <a:alphaOff val="0"/>
+            </a:schemeClr>
+          </a:solidFill>
+          <a:prstDash val="solid"/>
+        </a:ln>
+        <a:effectLst/>
+      </dsp:spPr>
+      <dsp:style>
+        <a:lnRef idx="2">
+          <a:scrgbClr r="0" g="0" b="0"/>
+        </a:lnRef>
+        <a:fillRef idx="1">
+          <a:scrgbClr r="0" g="0" b="0"/>
+        </a:fillRef>
+        <a:effectRef idx="0">
+          <a:scrgbClr r="0" g="0" b="0"/>
+        </a:effectRef>
+        <a:fontRef idx="minor"/>
+      </dsp:style>
+    </dsp:sp>
   </dsp:spTree>
 </dsp:drawing>
 </file>
@@ -7939,6 +8463,234 @@
       <dsp:cNvGrpSpPr/>
     </dsp:nvGrpSpPr>
     <dsp:grpSpPr/>
+    <dsp:sp modelId="{65D4CC17-A5F8-487F-AAAD-57D750302EC2}">
+      <dsp:nvSpPr>
+        <dsp:cNvPr id="0" name=""/>
+        <dsp:cNvSpPr/>
+      </dsp:nvSpPr>
+      <dsp:spPr>
+        <a:xfrm rot="10800000">
+          <a:off x="1749397" y="142"/>
+          <a:ext cx="5168646" cy="1790080"/>
+        </a:xfrm>
+        <a:prstGeom prst="homePlate">
+          <a:avLst/>
+        </a:prstGeom>
+        <a:solidFill>
+          <a:schemeClr val="tx2"/>
+        </a:solidFill>
+        <a:ln w="25400" cap="flat" cmpd="sng" algn="ctr">
+          <a:solidFill>
+            <a:schemeClr val="lt1">
+              <a:hueOff val="0"/>
+              <a:satOff val="0"/>
+              <a:lumOff val="0"/>
+              <a:alphaOff val="0"/>
+            </a:schemeClr>
+          </a:solidFill>
+          <a:prstDash val="solid"/>
+        </a:ln>
+        <a:effectLst/>
+      </dsp:spPr>
+      <dsp:style>
+        <a:lnRef idx="2">
+          <a:scrgbClr r="0" g="0" b="0"/>
+        </a:lnRef>
+        <a:fillRef idx="1">
+          <a:scrgbClr r="0" g="0" b="0"/>
+        </a:fillRef>
+        <a:effectRef idx="0">
+          <a:scrgbClr r="0" g="0" b="0"/>
+        </a:effectRef>
+        <a:fontRef idx="minor">
+          <a:schemeClr val="lt1"/>
+        </a:fontRef>
+      </dsp:style>
+      <dsp:txBody>
+        <a:bodyPr spcFirstLastPara="0" vert="horz" wrap="square" lIns="789376" tIns="152400" rIns="284480" bIns="152400" numCol="1" spcCol="1270" anchor="ctr" anchorCtr="0">
+          <a:noAutofit/>
+        </a:bodyPr>
+        <a:lstStyle/>
+        <a:p>
+          <a:pPr lvl="0" algn="ctr" defTabSz="1778000" rtl="0">
+            <a:lnSpc>
+              <a:spcPct val="90000"/>
+            </a:lnSpc>
+            <a:spcBef>
+              <a:spcPct val="0"/>
+            </a:spcBef>
+            <a:spcAft>
+              <a:spcPct val="35000"/>
+            </a:spcAft>
+          </a:pPr>
+          <a:r>
+            <a:rPr lang="en-US" sz="4000" kern="1200" dirty="0" smtClean="0"/>
+            <a:t>Ensure accountability </a:t>
+          </a:r>
+          <a:endParaRPr lang="en-US" sz="4000" kern="1200" dirty="0"/>
+        </a:p>
+      </dsp:txBody>
+      <dsp:txXfrm rot="10800000">
+        <a:off x="1749397" y="142"/>
+        <a:ext cx="5168646" cy="1790080"/>
+      </dsp:txXfrm>
+    </dsp:sp>
+    <dsp:sp modelId="{B5CF889C-91DE-4F40-9933-01E74A2C513A}">
+      <dsp:nvSpPr>
+        <dsp:cNvPr id="0" name=""/>
+        <dsp:cNvSpPr/>
+      </dsp:nvSpPr>
+      <dsp:spPr>
+        <a:xfrm>
+          <a:off x="854356" y="142"/>
+          <a:ext cx="1790080" cy="1790080"/>
+        </a:xfrm>
+        <a:prstGeom prst="ellipse">
+          <a:avLst/>
+        </a:prstGeom>
+        <a:solidFill>
+          <a:schemeClr val="tx2"/>
+        </a:solidFill>
+        <a:ln w="25400" cap="flat" cmpd="sng" algn="ctr">
+          <a:solidFill>
+            <a:schemeClr val="lt1">
+              <a:hueOff val="0"/>
+              <a:satOff val="0"/>
+              <a:lumOff val="0"/>
+              <a:alphaOff val="0"/>
+            </a:schemeClr>
+          </a:solidFill>
+          <a:prstDash val="solid"/>
+        </a:ln>
+        <a:effectLst/>
+      </dsp:spPr>
+      <dsp:style>
+        <a:lnRef idx="2">
+          <a:scrgbClr r="0" g="0" b="0"/>
+        </a:lnRef>
+        <a:fillRef idx="1">
+          <a:scrgbClr r="0" g="0" b="0"/>
+        </a:fillRef>
+        <a:effectRef idx="0">
+          <a:scrgbClr r="0" g="0" b="0"/>
+        </a:effectRef>
+        <a:fontRef idx="minor"/>
+      </dsp:style>
+    </dsp:sp>
+    <dsp:sp modelId="{2CBCFA22-6533-4E88-B3CD-C3BB3045ECDB}">
+      <dsp:nvSpPr>
+        <dsp:cNvPr id="0" name=""/>
+        <dsp:cNvSpPr/>
+      </dsp:nvSpPr>
+      <dsp:spPr>
+        <a:xfrm rot="10800000">
+          <a:off x="1749397" y="2324576"/>
+          <a:ext cx="5168646" cy="1790080"/>
+        </a:xfrm>
+        <a:prstGeom prst="homePlate">
+          <a:avLst/>
+        </a:prstGeom>
+        <a:solidFill>
+          <a:schemeClr val="tx2"/>
+        </a:solidFill>
+        <a:ln w="25400" cap="flat" cmpd="sng" algn="ctr">
+          <a:solidFill>
+            <a:schemeClr val="lt1">
+              <a:hueOff val="0"/>
+              <a:satOff val="0"/>
+              <a:lumOff val="0"/>
+              <a:alphaOff val="0"/>
+            </a:schemeClr>
+          </a:solidFill>
+          <a:prstDash val="solid"/>
+        </a:ln>
+        <a:effectLst/>
+      </dsp:spPr>
+      <dsp:style>
+        <a:lnRef idx="2">
+          <a:scrgbClr r="0" g="0" b="0"/>
+        </a:lnRef>
+        <a:fillRef idx="1">
+          <a:scrgbClr r="0" g="0" b="0"/>
+        </a:fillRef>
+        <a:effectRef idx="0">
+          <a:scrgbClr r="0" g="0" b="0"/>
+        </a:effectRef>
+        <a:fontRef idx="minor">
+          <a:schemeClr val="lt1"/>
+        </a:fontRef>
+      </dsp:style>
+      <dsp:txBody>
+        <a:bodyPr spcFirstLastPara="0" vert="horz" wrap="square" lIns="789376" tIns="152400" rIns="284480" bIns="152400" numCol="1" spcCol="1270" anchor="ctr" anchorCtr="0">
+          <a:noAutofit/>
+        </a:bodyPr>
+        <a:lstStyle/>
+        <a:p>
+          <a:pPr lvl="0" algn="ctr" defTabSz="1778000" rtl="0">
+            <a:lnSpc>
+              <a:spcPct val="90000"/>
+            </a:lnSpc>
+            <a:spcBef>
+              <a:spcPct val="0"/>
+            </a:spcBef>
+            <a:spcAft>
+              <a:spcPct val="35000"/>
+            </a:spcAft>
+          </a:pPr>
+          <a:r>
+            <a:rPr lang="en-US" sz="4000" kern="1200" dirty="0" smtClean="0"/>
+            <a:t>Periodic review</a:t>
+          </a:r>
+          <a:endParaRPr lang="en-US" sz="4000" kern="1200" dirty="0"/>
+        </a:p>
+      </dsp:txBody>
+      <dsp:txXfrm rot="10800000">
+        <a:off x="1749397" y="2324576"/>
+        <a:ext cx="5168646" cy="1790080"/>
+      </dsp:txXfrm>
+    </dsp:sp>
+    <dsp:sp modelId="{DC2DBBAE-4DB7-4F74-B02A-68C241240295}">
+      <dsp:nvSpPr>
+        <dsp:cNvPr id="0" name=""/>
+        <dsp:cNvSpPr/>
+      </dsp:nvSpPr>
+      <dsp:spPr>
+        <a:xfrm>
+          <a:off x="854356" y="2324576"/>
+          <a:ext cx="1790080" cy="1790080"/>
+        </a:xfrm>
+        <a:prstGeom prst="ellipse">
+          <a:avLst/>
+        </a:prstGeom>
+        <a:solidFill>
+          <a:schemeClr val="tx2"/>
+        </a:solidFill>
+        <a:ln w="25400" cap="flat" cmpd="sng" algn="ctr">
+          <a:solidFill>
+            <a:schemeClr val="lt1">
+              <a:hueOff val="0"/>
+              <a:satOff val="0"/>
+              <a:lumOff val="0"/>
+              <a:alphaOff val="0"/>
+            </a:schemeClr>
+          </a:solidFill>
+          <a:prstDash val="solid"/>
+        </a:ln>
+        <a:effectLst/>
+      </dsp:spPr>
+      <dsp:style>
+        <a:lnRef idx="2">
+          <a:scrgbClr r="0" g="0" b="0"/>
+        </a:lnRef>
+        <a:fillRef idx="1">
+          <a:scrgbClr r="0" g="0" b="0"/>
+        </a:fillRef>
+        <a:effectRef idx="0">
+          <a:scrgbClr r="0" g="0" b="0"/>
+        </a:effectRef>
+        <a:fontRef idx="minor"/>
+      </dsp:style>
+    </dsp:sp>
   </dsp:spTree>
 </dsp:drawing>
 </file>
@@ -18093,7 +18845,58 @@
             </a:pPr>
             <a:r>
               <a:rPr lang="en-US" dirty="0" smtClean="0"/>
-              <a:t>provide a consistent response to risk in accordance with the organizational risk frame</a:t>
+              <a:t>Keep in mind</a:t>
+            </a:r>
+            <a:r>
+              <a:rPr lang="en-US" baseline="0" dirty="0" smtClean="0"/>
+              <a:t> the objective of the assessment as you perform it:</a:t>
+            </a:r>
+          </a:p>
+          <a:p>
+            <a:pPr marL="0" marR="0" indent="0" algn="l" defTabSz="914400" rtl="0" eaLnBrk="1" fontAlgn="auto" latinLnBrk="0" hangingPunct="1">
+              <a:lnSpc>
+                <a:spcPct val="100000"/>
+              </a:lnSpc>
+              <a:spcBef>
+                <a:spcPts val="0"/>
+              </a:spcBef>
+              <a:spcAft>
+                <a:spcPts val="0"/>
+              </a:spcAft>
+              <a:buClrTx/>
+              <a:buSzTx/>
+              <a:buFontTx/>
+              <a:buNone/>
+              <a:tabLst/>
+              <a:defRPr/>
+            </a:pPr>
+            <a:endParaRPr lang="en-US" baseline="0" smtClean="0"/>
+          </a:p>
+          <a:p>
+            <a:pPr marL="0" marR="0" indent="0" algn="l" defTabSz="914400" rtl="0" eaLnBrk="1" fontAlgn="auto" latinLnBrk="0" hangingPunct="1">
+              <a:lnSpc>
+                <a:spcPct val="100000"/>
+              </a:lnSpc>
+              <a:spcBef>
+                <a:spcPts val="0"/>
+              </a:spcBef>
+              <a:spcAft>
+                <a:spcPts val="0"/>
+              </a:spcAft>
+              <a:buClrTx/>
+              <a:buSzTx/>
+              <a:buFontTx/>
+              <a:buNone/>
+              <a:tabLst/>
+              <a:defRPr/>
+            </a:pPr>
+            <a:r>
+              <a:rPr lang="en-US" smtClean="0"/>
+              <a:t>provide </a:t>
+            </a:r>
+            <a:r>
+              <a:rPr lang="en-US" dirty="0" smtClean="0"/>
+              <a:t>a consistent response to risk in accordance with the organizational risk frame</a:t>
             </a:r>
             <a:r>
               <a:rPr lang="en-US" baseline="0" dirty="0" smtClean="0"/>
@@ -30118,7 +30921,7 @@
           <a:p>
             <a:r>
               <a:rPr lang="en-US" dirty="0" smtClean="0"/>
-              <a:t>NIST is Risky</a:t>
+              <a:t>More Risky Business</a:t>
             </a:r>
             <a:endParaRPr lang="en-US" dirty="0"/>
           </a:p>
@@ -35051,7 +35854,7 @@
         </p:blipFill>
         <p:spPr bwMode="auto">
           <a:xfrm>
-            <a:off x="1752600" y="4191000"/>
+            <a:off x="1752600" y="3733800"/>
             <a:ext cx="2302598" cy="2445945"/>
           </a:xfrm>
           <a:prstGeom prst="rect">

--- a/Risky NIST ecommerce.pptx
+++ b/Risky NIST ecommerce.pptx
@@ -7,7 +7,7 @@
     <p:sldMasterId id="2147483720" r:id="rId3"/>
   </p:sldMasterIdLst>
   <p:notesMasterIdLst>
-    <p:notesMasterId r:id="rId33"/>
+    <p:notesMasterId r:id="rId34"/>
   </p:notesMasterIdLst>
   <p:sldIdLst>
     <p:sldId id="256" r:id="rId4"/>
@@ -30,15 +30,16 @@
     <p:sldId id="282" r:id="rId21"/>
     <p:sldId id="283" r:id="rId22"/>
     <p:sldId id="284" r:id="rId23"/>
-    <p:sldId id="266" r:id="rId24"/>
-    <p:sldId id="267" r:id="rId25"/>
-    <p:sldId id="296" r:id="rId26"/>
-    <p:sldId id="292" r:id="rId27"/>
-    <p:sldId id="294" r:id="rId28"/>
-    <p:sldId id="295" r:id="rId29"/>
-    <p:sldId id="301" r:id="rId30"/>
-    <p:sldId id="288" r:id="rId31"/>
-    <p:sldId id="300" r:id="rId32"/>
+    <p:sldId id="303" r:id="rId24"/>
+    <p:sldId id="266" r:id="rId25"/>
+    <p:sldId id="267" r:id="rId26"/>
+    <p:sldId id="296" r:id="rId27"/>
+    <p:sldId id="292" r:id="rId28"/>
+    <p:sldId id="294" r:id="rId29"/>
+    <p:sldId id="295" r:id="rId30"/>
+    <p:sldId id="301" r:id="rId31"/>
+    <p:sldId id="288" r:id="rId32"/>
+    <p:sldId id="300" r:id="rId33"/>
   </p:sldIdLst>
   <p:sldSz cx="9144000" cy="6858000" type="screen4x3"/>
   <p:notesSz cx="6858000" cy="9144000"/>
@@ -16015,7 +16016,7 @@
             <a:fld id="{DF19EA65-148D-4F5E-9047-ACF430EEE064}" type="datetimeFigureOut">
               <a:rPr lang="en-US" smtClean="0"/>
               <a:pPr/>
-              <a:t>10/1/2013</a:t>
+              <a:t>10/2/2013</a:t>
             </a:fld>
             <a:endParaRPr lang="en-US"/>
           </a:p>
@@ -16611,11 +16612,7 @@
             </a:r>
             <a:r>
               <a:rPr lang="en-US" baseline="0" dirty="0" smtClean="0"/>
-              <a:t> you to identify your </a:t>
-            </a:r>
-            <a:r>
-              <a:rPr lang="en-US" baseline="0" smtClean="0"/>
-              <a:t>valuable assets</a:t>
+              <a:t> you to identify your valuable assets</a:t>
             </a:r>
             <a:r>
               <a:rPr lang="en-US" dirty="0" smtClean="0"/>
@@ -16685,28 +16682,13 @@
             </a:endParaRPr>
           </a:p>
           <a:p>
-            <a:pPr lvl="1"/>
-            <a:r>
-              <a:rPr lang="en-US" sz="1200" b="1" kern="1200" dirty="0" smtClean="0">
-                <a:solidFill>
-                  <a:schemeClr val="tx1"/>
-                </a:solidFill>
-                <a:latin typeface="+mn-lt"/>
-                <a:ea typeface="+mn-ea"/>
-                <a:cs typeface="+mn-cs"/>
-              </a:rPr>
-              <a:t>It is crucial to select an approach that is appropriate for your</a:t>
-            </a:r>
-            <a:r>
-              <a:rPr lang="en-US" sz="1200" b="1" kern="1200" baseline="0" dirty="0" smtClean="0">
-                <a:solidFill>
-                  <a:schemeClr val="tx1"/>
-                </a:solidFill>
-                <a:latin typeface="+mn-lt"/>
-                <a:ea typeface="+mn-ea"/>
-                <a:cs typeface="+mn-cs"/>
-              </a:rPr>
-              <a:t> desired approach and organization</a:t>
+            <a:r>
+              <a:rPr lang="en-US" dirty="0" smtClean="0"/>
+              <a:t>I strongly recommend focusing on asset-effect if you don’t</a:t>
+            </a:r>
+            <a:r>
+              <a:rPr lang="en-US" baseline="0" dirty="0" smtClean="0"/>
+              <a:t> know where to start	</a:t>
             </a:r>
             <a:endParaRPr lang="en-US" dirty="0" smtClean="0"/>
           </a:p>
@@ -18481,7 +18463,7 @@
             <a:fld id="{7B977EFD-CB17-4DFD-977B-62AD945C7AAC}" type="slidenum">
               <a:rPr lang="en-US" smtClean="0"/>
               <a:pPr/>
-              <a:t>21</a:t>
+              <a:t>22</a:t>
             </a:fld>
             <a:endParaRPr lang="en-US"/>
           </a:p>
@@ -18670,7 +18652,7 @@
             <a:fld id="{7B977EFD-CB17-4DFD-977B-62AD945C7AAC}" type="slidenum">
               <a:rPr lang="en-US" smtClean="0"/>
               <a:pPr/>
-              <a:t>22</a:t>
+              <a:t>23</a:t>
             </a:fld>
             <a:endParaRPr lang="en-US"/>
           </a:p>
@@ -18766,7 +18748,7 @@
             <a:fld id="{7B977EFD-CB17-4DFD-977B-62AD945C7AAC}" type="slidenum">
               <a:rPr lang="en-US" smtClean="0"/>
               <a:pPr/>
-              <a:t>23</a:t>
+              <a:t>24</a:t>
             </a:fld>
             <a:endParaRPr lang="en-US"/>
           </a:p>
@@ -18927,7 +18909,7 @@
             <a:fld id="{7B977EFD-CB17-4DFD-977B-62AD945C7AAC}" type="slidenum">
               <a:rPr lang="en-US" smtClean="0"/>
               <a:pPr/>
-              <a:t>24</a:t>
+              <a:t>25</a:t>
             </a:fld>
             <a:endParaRPr lang="en-US"/>
           </a:p>
@@ -19049,7 +19031,7 @@
             <a:fld id="{7B977EFD-CB17-4DFD-977B-62AD945C7AAC}" type="slidenum">
               <a:rPr lang="en-US" smtClean="0"/>
               <a:pPr/>
-              <a:t>25</a:t>
+              <a:t>26</a:t>
             </a:fld>
             <a:endParaRPr lang="en-US"/>
           </a:p>
@@ -19166,7 +19148,7 @@
             <a:fld id="{7B977EFD-CB17-4DFD-977B-62AD945C7AAC}" type="slidenum">
               <a:rPr lang="en-US" smtClean="0"/>
               <a:pPr/>
-              <a:t>26</a:t>
+              <a:t>27</a:t>
             </a:fld>
             <a:endParaRPr lang="en-US"/>
           </a:p>
@@ -19270,7 +19252,7 @@
             <a:fld id="{7B977EFD-CB17-4DFD-977B-62AD945C7AAC}" type="slidenum">
               <a:rPr lang="en-US" smtClean="0"/>
               <a:pPr/>
-              <a:t>27</a:t>
+              <a:t>28</a:t>
             </a:fld>
             <a:endParaRPr lang="en-US"/>
           </a:p>
@@ -19369,7 +19351,7 @@
             <a:fld id="{7B977EFD-CB17-4DFD-977B-62AD945C7AAC}" type="slidenum">
               <a:rPr lang="en-US" smtClean="0"/>
               <a:pPr/>
-              <a:t>28</a:t>
+              <a:t>29</a:t>
             </a:fld>
             <a:endParaRPr lang="en-US"/>
           </a:p>
@@ -19533,7 +19515,7 @@
             <a:fld id="{7B977EFD-CB17-4DFD-977B-62AD945C7AAC}" type="slidenum">
               <a:rPr lang="en-US" smtClean="0"/>
               <a:pPr/>
-              <a:t>29</a:t>
+              <a:t>30</a:t>
             </a:fld>
             <a:endParaRPr lang="en-US"/>
           </a:p>
@@ -19595,8 +19577,21 @@
           <a:p>
             <a:r>
               <a:rPr lang="en-US" dirty="0" smtClean="0"/>
-              <a:t>This year I dig more into how to perform risk assessments. </a:t>
-            </a:r>
+              <a:t>This year I dig more into how to perform risk </a:t>
+            </a:r>
+            <a:r>
+              <a:rPr lang="en-US" dirty="0" smtClean="0"/>
+              <a:t>assessments</a:t>
+            </a:r>
+            <a:r>
+              <a:rPr lang="en-US" baseline="0" dirty="0" smtClean="0"/>
+              <a:t> using the </a:t>
+            </a:r>
+            <a:r>
+              <a:rPr lang="en-US" baseline="0" smtClean="0"/>
+              <a:t>NIST framework.</a:t>
+            </a:r>
+            <a:endParaRPr lang="en-US" dirty="0" smtClean="0"/>
           </a:p>
           <a:p>
             <a:endParaRPr lang="en-US" dirty="0" smtClean="0"/>
@@ -20866,7 +20861,7 @@
             <a:fld id="{9EB394D3-83B6-4264-8007-284C399FF126}" type="datetimeFigureOut">
               <a:rPr lang="en-US" smtClean="0"/>
               <a:pPr/>
-              <a:t>10/1/2013</a:t>
+              <a:t>10/2/2013</a:t>
             </a:fld>
             <a:endParaRPr lang="en-US"/>
           </a:p>
@@ -21192,7 +21187,7 @@
             <a:fld id="{9EB394D3-83B6-4264-8007-284C399FF126}" type="datetimeFigureOut">
               <a:rPr lang="en-US" smtClean="0"/>
               <a:pPr/>
-              <a:t>10/1/2013</a:t>
+              <a:t>10/2/2013</a:t>
             </a:fld>
             <a:endParaRPr lang="en-US"/>
           </a:p>
@@ -21381,7 +21376,7 @@
             <a:fld id="{9EB394D3-83B6-4264-8007-284C399FF126}" type="datetimeFigureOut">
               <a:rPr lang="en-US" smtClean="0"/>
               <a:pPr/>
-              <a:t>10/1/2013</a:t>
+              <a:t>10/2/2013</a:t>
             </a:fld>
             <a:endParaRPr lang="en-US"/>
           </a:p>
@@ -21888,7 +21883,7 @@
             <a:fld id="{9EB394D3-83B6-4264-8007-284C399FF126}" type="datetimeFigureOut">
               <a:rPr lang="en-US" smtClean="0"/>
               <a:pPr/>
-              <a:t>10/1/2013</a:t>
+              <a:t>10/2/2013</a:t>
             </a:fld>
             <a:endParaRPr lang="en-US"/>
           </a:p>
@@ -22085,7 +22080,7 @@
             <a:fld id="{9EB394D3-83B6-4264-8007-284C399FF126}" type="datetimeFigureOut">
               <a:rPr lang="en-US" smtClean="0"/>
               <a:pPr/>
-              <a:t>10/1/2013</a:t>
+              <a:t>10/2/2013</a:t>
             </a:fld>
             <a:endParaRPr lang="en-US"/>
           </a:p>
@@ -22286,7 +22281,7 @@
             <a:fld id="{9EB394D3-83B6-4264-8007-284C399FF126}" type="datetimeFigureOut">
               <a:rPr lang="en-US" smtClean="0"/>
               <a:pPr/>
-              <a:t>10/1/2013</a:t>
+              <a:t>10/2/2013</a:t>
             </a:fld>
             <a:endParaRPr lang="en-US"/>
           </a:p>
@@ -22583,7 +22578,7 @@
             <a:fld id="{9EB394D3-83B6-4264-8007-284C399FF126}" type="datetimeFigureOut">
               <a:rPr lang="en-US" smtClean="0"/>
               <a:pPr/>
-              <a:t>10/1/2013</a:t>
+              <a:t>10/2/2013</a:t>
             </a:fld>
             <a:endParaRPr lang="en-US"/>
           </a:p>
@@ -23019,7 +23014,7 @@
             <a:fld id="{9EB394D3-83B6-4264-8007-284C399FF126}" type="datetimeFigureOut">
               <a:rPr lang="en-US" smtClean="0"/>
               <a:pPr/>
-              <a:t>10/1/2013</a:t>
+              <a:t>10/2/2013</a:t>
             </a:fld>
             <a:endParaRPr lang="en-US"/>
           </a:p>
@@ -23146,7 +23141,7 @@
             <a:fld id="{9EB394D3-83B6-4264-8007-284C399FF126}" type="datetimeFigureOut">
               <a:rPr lang="en-US" smtClean="0"/>
               <a:pPr/>
-              <a:t>10/1/2013</a:t>
+              <a:t>10/2/2013</a:t>
             </a:fld>
             <a:endParaRPr lang="en-US"/>
           </a:p>
@@ -23250,7 +23245,7 @@
             <a:fld id="{9EB394D3-83B6-4264-8007-284C399FF126}" type="datetimeFigureOut">
               <a:rPr lang="en-US" smtClean="0"/>
               <a:pPr/>
-              <a:t>10/1/2013</a:t>
+              <a:t>10/2/2013</a:t>
             </a:fld>
             <a:endParaRPr lang="en-US"/>
           </a:p>
@@ -23536,7 +23531,7 @@
             <a:fld id="{9EB394D3-83B6-4264-8007-284C399FF126}" type="datetimeFigureOut">
               <a:rPr lang="en-US" smtClean="0"/>
               <a:pPr/>
-              <a:t>10/1/2013</a:t>
+              <a:t>10/2/2013</a:t>
             </a:fld>
             <a:endParaRPr lang="en-US"/>
           </a:p>
@@ -23715,7 +23710,7 @@
             <a:fld id="{9EB394D3-83B6-4264-8007-284C399FF126}" type="datetimeFigureOut">
               <a:rPr lang="en-US" smtClean="0"/>
               <a:pPr/>
-              <a:t>10/1/2013</a:t>
+              <a:t>10/2/2013</a:t>
             </a:fld>
             <a:endParaRPr lang="en-US"/>
           </a:p>
@@ -23981,7 +23976,7 @@
             <a:fld id="{9EB394D3-83B6-4264-8007-284C399FF126}" type="datetimeFigureOut">
               <a:rPr lang="en-US" smtClean="0"/>
               <a:pPr/>
-              <a:t>10/1/2013</a:t>
+              <a:t>10/2/2013</a:t>
             </a:fld>
             <a:endParaRPr lang="en-US"/>
           </a:p>
@@ -24160,7 +24155,7 @@
             <a:fld id="{9EB394D3-83B6-4264-8007-284C399FF126}" type="datetimeFigureOut">
               <a:rPr lang="en-US" smtClean="0"/>
               <a:pPr/>
-              <a:t>10/1/2013</a:t>
+              <a:t>10/2/2013</a:t>
             </a:fld>
             <a:endParaRPr lang="en-US"/>
           </a:p>
@@ -24349,7 +24344,7 @@
             <a:fld id="{9EB394D3-83B6-4264-8007-284C399FF126}" type="datetimeFigureOut">
               <a:rPr lang="en-US" smtClean="0"/>
               <a:pPr/>
-              <a:t>10/1/2013</a:t>
+              <a:t>10/2/2013</a:t>
             </a:fld>
             <a:endParaRPr lang="en-US"/>
           </a:p>
@@ -24596,7 +24591,7 @@
             <a:fld id="{9EB394D3-83B6-4264-8007-284C399FF126}" type="datetimeFigureOut">
               <a:rPr lang="en-US" smtClean="0"/>
               <a:pPr/>
-              <a:t>10/1/2013</a:t>
+              <a:t>10/2/2013</a:t>
             </a:fld>
             <a:endParaRPr lang="en-US"/>
           </a:p>
@@ -24763,7 +24758,7 @@
             <a:fld id="{9EB394D3-83B6-4264-8007-284C399FF126}" type="datetimeFigureOut">
               <a:rPr lang="en-US" smtClean="0"/>
               <a:pPr/>
-              <a:t>10/1/2013</a:t>
+              <a:t>10/2/2013</a:t>
             </a:fld>
             <a:endParaRPr lang="en-US"/>
           </a:p>
@@ -25006,7 +25001,7 @@
             <a:fld id="{9EB394D3-83B6-4264-8007-284C399FF126}" type="datetimeFigureOut">
               <a:rPr lang="en-US" smtClean="0"/>
               <a:pPr/>
-              <a:t>10/1/2013</a:t>
+              <a:t>10/2/2013</a:t>
             </a:fld>
             <a:endParaRPr lang="en-US"/>
           </a:p>
@@ -25291,7 +25286,7 @@
             <a:fld id="{9EB394D3-83B6-4264-8007-284C399FF126}" type="datetimeFigureOut">
               <a:rPr lang="en-US" smtClean="0"/>
               <a:pPr/>
-              <a:t>10/1/2013</a:t>
+              <a:t>10/2/2013</a:t>
             </a:fld>
             <a:endParaRPr lang="en-US"/>
           </a:p>
@@ -25710,7 +25705,7 @@
             <a:fld id="{9EB394D3-83B6-4264-8007-284C399FF126}" type="datetimeFigureOut">
               <a:rPr lang="en-US" smtClean="0"/>
               <a:pPr/>
-              <a:t>10/1/2013</a:t>
+              <a:t>10/2/2013</a:t>
             </a:fld>
             <a:endParaRPr lang="en-US"/>
           </a:p>
@@ -25825,7 +25820,7 @@
             <a:fld id="{9EB394D3-83B6-4264-8007-284C399FF126}" type="datetimeFigureOut">
               <a:rPr lang="en-US" smtClean="0"/>
               <a:pPr/>
-              <a:t>10/1/2013</a:t>
+              <a:t>10/2/2013</a:t>
             </a:fld>
             <a:endParaRPr lang="en-US"/>
           </a:p>
@@ -25917,7 +25912,7 @@
             <a:fld id="{9EB394D3-83B6-4264-8007-284C399FF126}" type="datetimeFigureOut">
               <a:rPr lang="en-US" smtClean="0"/>
               <a:pPr/>
-              <a:t>10/1/2013</a:t>
+              <a:t>10/2/2013</a:t>
             </a:fld>
             <a:endParaRPr lang="en-US"/>
           </a:p>
@@ -26110,7 +26105,7 @@
             <a:fld id="{9EB394D3-83B6-4264-8007-284C399FF126}" type="datetimeFigureOut">
               <a:rPr lang="en-US" smtClean="0"/>
               <a:pPr/>
-              <a:t>10/1/2013</a:t>
+              <a:t>10/2/2013</a:t>
             </a:fld>
             <a:endParaRPr lang="en-US"/>
           </a:p>
@@ -26392,7 +26387,7 @@
             <a:fld id="{9EB394D3-83B6-4264-8007-284C399FF126}" type="datetimeFigureOut">
               <a:rPr lang="en-US" smtClean="0"/>
               <a:pPr/>
-              <a:t>10/1/2013</a:t>
+              <a:t>10/2/2013</a:t>
             </a:fld>
             <a:endParaRPr lang="en-US"/>
           </a:p>
@@ -26642,7 +26637,7 @@
             <a:fld id="{9EB394D3-83B6-4264-8007-284C399FF126}" type="datetimeFigureOut">
               <a:rPr lang="en-US" smtClean="0"/>
               <a:pPr/>
-              <a:t>10/1/2013</a:t>
+              <a:t>10/2/2013</a:t>
             </a:fld>
             <a:endParaRPr lang="en-US"/>
           </a:p>
@@ -26809,7 +26804,7 @@
             <a:fld id="{9EB394D3-83B6-4264-8007-284C399FF126}" type="datetimeFigureOut">
               <a:rPr lang="en-US" smtClean="0"/>
               <a:pPr/>
-              <a:t>10/1/2013</a:t>
+              <a:t>10/2/2013</a:t>
             </a:fld>
             <a:endParaRPr lang="en-US"/>
           </a:p>
@@ -26986,7 +26981,7 @@
             <a:fld id="{9EB394D3-83B6-4264-8007-284C399FF126}" type="datetimeFigureOut">
               <a:rPr lang="en-US" smtClean="0"/>
               <a:pPr/>
-              <a:t>10/1/2013</a:t>
+              <a:t>10/2/2013</a:t>
             </a:fld>
             <a:endParaRPr lang="en-US"/>
           </a:p>
@@ -27275,7 +27270,7 @@
             <a:fld id="{9EB394D3-83B6-4264-8007-284C399FF126}" type="datetimeFigureOut">
               <a:rPr lang="en-US" smtClean="0"/>
               <a:pPr/>
-              <a:t>10/1/2013</a:t>
+              <a:t>10/2/2013</a:t>
             </a:fld>
             <a:endParaRPr lang="en-US"/>
           </a:p>
@@ -27711,7 +27706,7 @@
             <a:fld id="{9EB394D3-83B6-4264-8007-284C399FF126}" type="datetimeFigureOut">
               <a:rPr lang="en-US" smtClean="0"/>
               <a:pPr/>
-              <a:t>10/1/2013</a:t>
+              <a:t>10/2/2013</a:t>
             </a:fld>
             <a:endParaRPr lang="en-US"/>
           </a:p>
@@ -27838,7 +27833,7 @@
             <a:fld id="{9EB394D3-83B6-4264-8007-284C399FF126}" type="datetimeFigureOut">
               <a:rPr lang="en-US" smtClean="0"/>
               <a:pPr/>
-              <a:t>10/1/2013</a:t>
+              <a:t>10/2/2013</a:t>
             </a:fld>
             <a:endParaRPr lang="en-US"/>
           </a:p>
@@ -27942,7 +27937,7 @@
             <a:fld id="{9EB394D3-83B6-4264-8007-284C399FF126}" type="datetimeFigureOut">
               <a:rPr lang="en-US" smtClean="0"/>
               <a:pPr/>
-              <a:t>10/1/2013</a:t>
+              <a:t>10/2/2013</a:t>
             </a:fld>
             <a:endParaRPr lang="en-US"/>
           </a:p>
@@ -28228,7 +28223,7 @@
             <a:fld id="{9EB394D3-83B6-4264-8007-284C399FF126}" type="datetimeFigureOut">
               <a:rPr lang="en-US" smtClean="0"/>
               <a:pPr/>
-              <a:t>10/1/2013</a:t>
+              <a:t>10/2/2013</a:t>
             </a:fld>
             <a:endParaRPr lang="en-US"/>
           </a:p>
@@ -28494,7 +28489,7 @@
             <a:fld id="{9EB394D3-83B6-4264-8007-284C399FF126}" type="datetimeFigureOut">
               <a:rPr lang="en-US" smtClean="0"/>
               <a:pPr/>
-              <a:t>10/1/2013</a:t>
+              <a:t>10/2/2013</a:t>
             </a:fld>
             <a:endParaRPr lang="en-US"/>
           </a:p>
@@ -28743,7 +28738,7 @@
             <a:fld id="{9EB394D3-83B6-4264-8007-284C399FF126}" type="datetimeFigureOut">
               <a:rPr lang="en-US" smtClean="0"/>
               <a:pPr/>
-              <a:t>10/1/2013</a:t>
+              <a:t>10/2/2013</a:t>
             </a:fld>
             <a:endParaRPr lang="en-US"/>
           </a:p>
@@ -29848,7 +29843,7 @@
             <a:fld id="{9EB394D3-83B6-4264-8007-284C399FF126}" type="datetimeFigureOut">
               <a:rPr lang="en-US" smtClean="0"/>
               <a:pPr/>
-              <a:t>10/1/2013</a:t>
+              <a:t>10/2/2013</a:t>
             </a:fld>
             <a:endParaRPr lang="en-US"/>
           </a:p>
@@ -30528,7 +30523,7 @@
             <a:fld id="{9EB394D3-83B6-4264-8007-284C399FF126}" type="datetimeFigureOut">
               <a:rPr lang="en-US" smtClean="0"/>
               <a:pPr/>
-              <a:t>10/1/2013</a:t>
+              <a:t>10/2/2013</a:t>
             </a:fld>
             <a:endParaRPr lang="en-US"/>
           </a:p>
@@ -31366,7 +31361,11 @@
           <a:p>
             <a:r>
               <a:rPr lang="en-US" dirty="0" smtClean="0"/>
-              <a:t>Step2: Conduct the risk assessment</a:t>
+              <a:t>Conduct </a:t>
+            </a:r>
+            <a:r>
+              <a:rPr lang="en-US" dirty="0" smtClean="0"/>
+              <a:t>the risk assessment</a:t>
             </a:r>
             <a:endParaRPr lang="en-US" dirty="0"/>
           </a:p>
@@ -35792,77 +35791,906 @@
       </p:grpSpPr>
       <p:sp>
         <p:nvSpPr>
-          <p:cNvPr id="2" name="Title 1"/>
-          <p:cNvSpPr>
-            <a:spLocks noGrp="1"/>
-          </p:cNvSpPr>
-          <p:nvPr>
-            <p:ph type="title"/>
-          </p:nvPr>
+          <p:cNvPr id="2" name="Up Arrow 1"/>
+          <p:cNvSpPr/>
+          <p:nvPr/>
         </p:nvSpPr>
-        <p:spPr/>
+        <p:spPr bwMode="auto">
+          <a:xfrm>
+            <a:off x="304800" y="685800"/>
+            <a:ext cx="1371600" cy="5029200"/>
+          </a:xfrm>
+          <a:prstGeom prst="upArrow">
+            <a:avLst/>
+          </a:prstGeom>
+          <a:solidFill>
+            <a:schemeClr val="accent1"/>
+          </a:solidFill>
+          <a:ln w="9525" cap="flat" cmpd="sng" algn="ctr">
+            <a:solidFill>
+              <a:schemeClr val="tx1"/>
+            </a:solidFill>
+            <a:prstDash val="solid"/>
+            <a:round/>
+            <a:headEnd type="none" w="med" len="med"/>
+            <a:tailEnd type="none" w="med" len="med"/>
+          </a:ln>
+          <a:effectLst/>
+        </p:spPr>
         <p:txBody>
-          <a:bodyPr>
-            <a:normAutofit/>
+          <a:bodyPr vert="horz" wrap="square" lIns="91440" tIns="45720" rIns="91440" bIns="45720" numCol="1" rtlCol="0" anchor="t" anchorCtr="0" compatLnSpc="1">
+            <a:prstTxWarp prst="textNoShape">
+              <a:avLst/>
+            </a:prstTxWarp>
           </a:bodyPr>
           <a:lstStyle/>
           <a:p>
-            <a:r>
-              <a:rPr lang="en-US" dirty="0" smtClean="0"/>
-              <a:t>Communicate results to key personnel</a:t>
-            </a:r>
-            <a:endParaRPr lang="en-US" dirty="0"/>
+            <a:pPr marL="0" marR="0" indent="0" algn="l" defTabSz="914400" rtl="0" eaLnBrk="0" fontAlgn="base" latinLnBrk="0" hangingPunct="0">
+              <a:lnSpc>
+                <a:spcPct val="100000"/>
+              </a:lnSpc>
+              <a:spcBef>
+                <a:spcPct val="0"/>
+              </a:spcBef>
+              <a:spcAft>
+                <a:spcPct val="0"/>
+              </a:spcAft>
+              <a:buClrTx/>
+              <a:buSzTx/>
+              <a:buFontTx/>
+              <a:buNone/>
+              <a:tabLst/>
+            </a:pPr>
+            <a:endParaRPr kumimoji="0" lang="en-US" sz="1800" b="0" i="0" u="none" strike="noStrike" cap="none" normalizeH="0" baseline="0" smtClean="0">
+              <a:ln>
+                <a:noFill/>
+              </a:ln>
+              <a:solidFill>
+                <a:schemeClr val="tx1"/>
+              </a:solidFill>
+              <a:effectLst/>
+              <a:latin typeface="Tahoma" charset="0"/>
+            </a:endParaRPr>
           </a:p>
         </p:txBody>
       </p:sp>
       <p:sp>
         <p:nvSpPr>
-          <p:cNvPr id="3" name="Content Placeholder 2"/>
-          <p:cNvSpPr>
-            <a:spLocks noGrp="1"/>
-          </p:cNvSpPr>
-          <p:nvPr>
-            <p:ph idx="1"/>
-          </p:nvPr>
+          <p:cNvPr id="4" name="Up Arrow 3"/>
+          <p:cNvSpPr/>
+          <p:nvPr/>
         </p:nvSpPr>
-        <p:spPr/>
+        <p:spPr bwMode="auto">
+          <a:xfrm rot="5400000">
+            <a:off x="3657600" y="3657599"/>
+            <a:ext cx="1371600" cy="5029200"/>
+          </a:xfrm>
+          <a:prstGeom prst="upArrow">
+            <a:avLst/>
+          </a:prstGeom>
+          <a:solidFill>
+            <a:schemeClr val="accent1"/>
+          </a:solidFill>
+          <a:ln w="9525" cap="flat" cmpd="sng" algn="ctr">
+            <a:solidFill>
+              <a:schemeClr val="tx1"/>
+            </a:solidFill>
+            <a:prstDash val="solid"/>
+            <a:round/>
+            <a:headEnd type="none" w="med" len="med"/>
+            <a:tailEnd type="none" w="med" len="med"/>
+          </a:ln>
+          <a:effectLst/>
+        </p:spPr>
         <p:txBody>
-          <a:bodyPr/>
+          <a:bodyPr vert="horz" wrap="square" lIns="91440" tIns="45720" rIns="91440" bIns="45720" numCol="1" rtlCol="0" anchor="t" anchorCtr="0" compatLnSpc="1">
+            <a:prstTxWarp prst="textNoShape">
+              <a:avLst/>
+            </a:prstTxWarp>
+          </a:bodyPr>
           <a:lstStyle/>
           <a:p>
-            <a:r>
-              <a:rPr lang="en-US" dirty="0" smtClean="0"/>
-              <a:t>Communicate results to decision makers to support risk responses.</a:t>
-            </a:r>
+            <a:pPr marL="0" marR="0" indent="0" algn="l" defTabSz="914400" rtl="0" eaLnBrk="0" fontAlgn="base" latinLnBrk="0" hangingPunct="0">
+              <a:lnSpc>
+                <a:spcPct val="100000"/>
+              </a:lnSpc>
+              <a:spcBef>
+                <a:spcPct val="0"/>
+              </a:spcBef>
+              <a:spcAft>
+                <a:spcPct val="0"/>
+              </a:spcAft>
+              <a:buClrTx/>
+              <a:buSzTx/>
+              <a:buFontTx/>
+              <a:buNone/>
+              <a:tabLst/>
+            </a:pPr>
+            <a:endParaRPr kumimoji="0" lang="en-US" sz="1800" b="0" i="0" u="none" strike="noStrike" cap="none" normalizeH="0" baseline="0" smtClean="0">
+              <a:ln>
+                <a:noFill/>
+              </a:ln>
+              <a:solidFill>
+                <a:schemeClr val="tx1"/>
+              </a:solidFill>
+              <a:effectLst/>
+              <a:latin typeface="Tahoma" charset="0"/>
+            </a:endParaRPr>
           </a:p>
         </p:txBody>
       </p:sp>
-      <p:pic>
-        <p:nvPicPr>
-          <p:cNvPr id="27650" name="Picture 2" descr="C:\Users\conrad.reynolds\AppData\Local\Microsoft\Windows\Temporary Internet Files\Content.IE5\EU948WDX\MC900233413[1].wmf"/>
-          <p:cNvPicPr>
-            <a:picLocks noChangeAspect="1" noChangeArrowheads="1"/>
-          </p:cNvPicPr>
+      <p:sp>
+        <p:nvSpPr>
+          <p:cNvPr id="5" name="TextBox 4"/>
+          <p:cNvSpPr txBox="1"/>
           <p:nvPr/>
-        </p:nvPicPr>
-        <p:blipFill>
-          <a:blip r:embed="rId3" cstate="print"/>
-          <a:srcRect/>
-          <a:stretch>
-            <a:fillRect/>
-          </a:stretch>
-        </p:blipFill>
-        <p:spPr bwMode="auto">
+        </p:nvSpPr>
+        <p:spPr>
           <a:xfrm>
-            <a:off x="1752600" y="3733800"/>
-            <a:ext cx="2302598" cy="2445945"/>
+            <a:off x="2057400" y="5791200"/>
+            <a:ext cx="3810000" cy="769441"/>
           </a:xfrm>
           <a:prstGeom prst="rect">
             <a:avLst/>
           </a:prstGeom>
           <a:noFill/>
         </p:spPr>
-      </p:pic>
+        <p:txBody>
+          <a:bodyPr wrap="square" rtlCol="0">
+            <a:spAutoFit/>
+          </a:bodyPr>
+          <a:lstStyle/>
+          <a:p>
+            <a:pPr algn="ctr"/>
+            <a:r>
+              <a:rPr lang="en-US" sz="4400" dirty="0" smtClean="0"/>
+              <a:t>Likelihood</a:t>
+            </a:r>
+            <a:endParaRPr lang="en-US" sz="4400" dirty="0"/>
+          </a:p>
+        </p:txBody>
+      </p:sp>
+      <p:sp>
+        <p:nvSpPr>
+          <p:cNvPr id="6" name="TextBox 5"/>
+          <p:cNvSpPr txBox="1"/>
+          <p:nvPr/>
+        </p:nvSpPr>
+        <p:spPr>
+          <a:xfrm>
+            <a:off x="561946" y="1295400"/>
+            <a:ext cx="861774" cy="3048000"/>
+          </a:xfrm>
+          <a:prstGeom prst="rect">
+            <a:avLst/>
+          </a:prstGeom>
+          <a:noFill/>
+        </p:spPr>
+        <p:txBody>
+          <a:bodyPr vert="vert270" wrap="square" rtlCol="0" anchor="ctr" anchorCtr="0">
+            <a:spAutoFit/>
+          </a:bodyPr>
+          <a:lstStyle/>
+          <a:p>
+            <a:r>
+              <a:rPr lang="en-US" sz="4400" dirty="0" smtClean="0"/>
+              <a:t>Effect</a:t>
+            </a:r>
+            <a:endParaRPr lang="en-US" sz="4400" dirty="0"/>
+          </a:p>
+        </p:txBody>
+      </p:sp>
+      <p:sp>
+        <p:nvSpPr>
+          <p:cNvPr id="7" name="Rectangle 6"/>
+          <p:cNvSpPr/>
+          <p:nvPr/>
+        </p:nvSpPr>
+        <p:spPr>
+          <a:xfrm>
+            <a:off x="1905000" y="3886200"/>
+            <a:ext cx="1752600" cy="1524000"/>
+          </a:xfrm>
+          <a:prstGeom prst="rect">
+            <a:avLst/>
+          </a:prstGeom>
+          <a:solidFill>
+            <a:srgbClr val="92D050"/>
+          </a:solidFill>
+          <a:ln>
+            <a:solidFill>
+              <a:srgbClr val="92D050"/>
+            </a:solidFill>
+          </a:ln>
+        </p:spPr>
+        <p:style>
+          <a:lnRef idx="2">
+            <a:schemeClr val="accent1">
+              <a:shade val="50000"/>
+            </a:schemeClr>
+          </a:lnRef>
+          <a:fillRef idx="1">
+            <a:schemeClr val="accent1"/>
+          </a:fillRef>
+          <a:effectRef idx="0">
+            <a:schemeClr val="accent1"/>
+          </a:effectRef>
+          <a:fontRef idx="minor">
+            <a:schemeClr val="lt1"/>
+          </a:fontRef>
+        </p:style>
+        <p:txBody>
+          <a:bodyPr rtlCol="0" anchor="ctr"/>
+          <a:lstStyle/>
+          <a:p>
+            <a:pPr algn="ctr"/>
+            <a:endParaRPr lang="en-US"/>
+          </a:p>
+        </p:txBody>
+      </p:sp>
+      <p:sp>
+        <p:nvSpPr>
+          <p:cNvPr id="8" name="Rectangle 7"/>
+          <p:cNvSpPr/>
+          <p:nvPr/>
+        </p:nvSpPr>
+        <p:spPr>
+          <a:xfrm>
+            <a:off x="3886200" y="3886200"/>
+            <a:ext cx="1752600" cy="1524000"/>
+          </a:xfrm>
+          <a:prstGeom prst="rect">
+            <a:avLst/>
+          </a:prstGeom>
+          <a:solidFill>
+            <a:srgbClr val="92D050"/>
+          </a:solidFill>
+          <a:ln>
+            <a:solidFill>
+              <a:srgbClr val="92D050"/>
+            </a:solidFill>
+          </a:ln>
+        </p:spPr>
+        <p:style>
+          <a:lnRef idx="2">
+            <a:schemeClr val="accent1">
+              <a:shade val="50000"/>
+            </a:schemeClr>
+          </a:lnRef>
+          <a:fillRef idx="1">
+            <a:schemeClr val="accent1"/>
+          </a:fillRef>
+          <a:effectRef idx="0">
+            <a:schemeClr val="accent1"/>
+          </a:effectRef>
+          <a:fontRef idx="minor">
+            <a:schemeClr val="lt1"/>
+          </a:fontRef>
+        </p:style>
+        <p:txBody>
+          <a:bodyPr rtlCol="0" anchor="ctr"/>
+          <a:lstStyle/>
+          <a:p>
+            <a:pPr algn="ctr"/>
+            <a:endParaRPr lang="en-US"/>
+          </a:p>
+        </p:txBody>
+      </p:sp>
+      <p:sp>
+        <p:nvSpPr>
+          <p:cNvPr id="9" name="Rectangle 8"/>
+          <p:cNvSpPr/>
+          <p:nvPr/>
+        </p:nvSpPr>
+        <p:spPr>
+          <a:xfrm>
+            <a:off x="5867400" y="3886200"/>
+            <a:ext cx="1752600" cy="1524000"/>
+          </a:xfrm>
+          <a:prstGeom prst="rect">
+            <a:avLst/>
+          </a:prstGeom>
+          <a:solidFill>
+            <a:srgbClr val="FFFF00"/>
+          </a:solidFill>
+          <a:ln>
+            <a:solidFill>
+              <a:srgbClr val="FFFF00"/>
+            </a:solidFill>
+          </a:ln>
+        </p:spPr>
+        <p:style>
+          <a:lnRef idx="2">
+            <a:schemeClr val="accent1">
+              <a:shade val="50000"/>
+            </a:schemeClr>
+          </a:lnRef>
+          <a:fillRef idx="1">
+            <a:schemeClr val="accent1"/>
+          </a:fillRef>
+          <a:effectRef idx="0">
+            <a:schemeClr val="accent1"/>
+          </a:effectRef>
+          <a:fontRef idx="minor">
+            <a:schemeClr val="lt1"/>
+          </a:fontRef>
+        </p:style>
+        <p:txBody>
+          <a:bodyPr rtlCol="0" anchor="ctr"/>
+          <a:lstStyle/>
+          <a:p>
+            <a:pPr algn="ctr"/>
+            <a:endParaRPr lang="en-US"/>
+          </a:p>
+        </p:txBody>
+      </p:sp>
+      <p:sp>
+        <p:nvSpPr>
+          <p:cNvPr id="10" name="Rectangle 9"/>
+          <p:cNvSpPr/>
+          <p:nvPr/>
+        </p:nvSpPr>
+        <p:spPr>
+          <a:xfrm>
+            <a:off x="1905000" y="2133600"/>
+            <a:ext cx="1752600" cy="1524000"/>
+          </a:xfrm>
+          <a:prstGeom prst="rect">
+            <a:avLst/>
+          </a:prstGeom>
+          <a:solidFill>
+            <a:srgbClr val="92D050"/>
+          </a:solidFill>
+          <a:ln>
+            <a:solidFill>
+              <a:srgbClr val="92D050"/>
+            </a:solidFill>
+          </a:ln>
+        </p:spPr>
+        <p:style>
+          <a:lnRef idx="2">
+            <a:schemeClr val="accent1">
+              <a:shade val="50000"/>
+            </a:schemeClr>
+          </a:lnRef>
+          <a:fillRef idx="1">
+            <a:schemeClr val="accent1"/>
+          </a:fillRef>
+          <a:effectRef idx="0">
+            <a:schemeClr val="accent1"/>
+          </a:effectRef>
+          <a:fontRef idx="minor">
+            <a:schemeClr val="lt1"/>
+          </a:fontRef>
+        </p:style>
+        <p:txBody>
+          <a:bodyPr rtlCol="0" anchor="ctr"/>
+          <a:lstStyle/>
+          <a:p>
+            <a:pPr algn="ctr"/>
+            <a:endParaRPr lang="en-US"/>
+          </a:p>
+        </p:txBody>
+      </p:sp>
+      <p:sp>
+        <p:nvSpPr>
+          <p:cNvPr id="11" name="Rectangle 10"/>
+          <p:cNvSpPr/>
+          <p:nvPr/>
+        </p:nvSpPr>
+        <p:spPr>
+          <a:xfrm>
+            <a:off x="1905000" y="381000"/>
+            <a:ext cx="1752600" cy="1524000"/>
+          </a:xfrm>
+          <a:prstGeom prst="rect">
+            <a:avLst/>
+          </a:prstGeom>
+          <a:solidFill>
+            <a:srgbClr val="FFFF00"/>
+          </a:solidFill>
+          <a:ln>
+            <a:solidFill>
+              <a:srgbClr val="FFFF00"/>
+            </a:solidFill>
+          </a:ln>
+        </p:spPr>
+        <p:style>
+          <a:lnRef idx="2">
+            <a:schemeClr val="accent1">
+              <a:shade val="50000"/>
+            </a:schemeClr>
+          </a:lnRef>
+          <a:fillRef idx="1">
+            <a:schemeClr val="accent1"/>
+          </a:fillRef>
+          <a:effectRef idx="0">
+            <a:schemeClr val="accent1"/>
+          </a:effectRef>
+          <a:fontRef idx="minor">
+            <a:schemeClr val="lt1"/>
+          </a:fontRef>
+        </p:style>
+        <p:txBody>
+          <a:bodyPr rtlCol="0" anchor="ctr"/>
+          <a:lstStyle/>
+          <a:p>
+            <a:pPr algn="ctr"/>
+            <a:endParaRPr lang="en-US"/>
+          </a:p>
+        </p:txBody>
+      </p:sp>
+      <p:sp>
+        <p:nvSpPr>
+          <p:cNvPr id="12" name="Rectangle 11"/>
+          <p:cNvSpPr/>
+          <p:nvPr/>
+        </p:nvSpPr>
+        <p:spPr>
+          <a:xfrm>
+            <a:off x="3886200" y="381000"/>
+            <a:ext cx="1752600" cy="1524000"/>
+          </a:xfrm>
+          <a:prstGeom prst="rect">
+            <a:avLst/>
+          </a:prstGeom>
+          <a:solidFill>
+            <a:srgbClr val="FF0000"/>
+          </a:solidFill>
+          <a:ln>
+            <a:solidFill>
+              <a:srgbClr val="FF0000"/>
+            </a:solidFill>
+          </a:ln>
+        </p:spPr>
+        <p:style>
+          <a:lnRef idx="2">
+            <a:schemeClr val="accent1">
+              <a:shade val="50000"/>
+            </a:schemeClr>
+          </a:lnRef>
+          <a:fillRef idx="1">
+            <a:schemeClr val="accent1"/>
+          </a:fillRef>
+          <a:effectRef idx="0">
+            <a:schemeClr val="accent1"/>
+          </a:effectRef>
+          <a:fontRef idx="minor">
+            <a:schemeClr val="lt1"/>
+          </a:fontRef>
+        </p:style>
+        <p:txBody>
+          <a:bodyPr rtlCol="0" anchor="ctr"/>
+          <a:lstStyle/>
+          <a:p>
+            <a:pPr algn="ctr"/>
+            <a:endParaRPr lang="en-US"/>
+          </a:p>
+        </p:txBody>
+      </p:sp>
+      <p:sp>
+        <p:nvSpPr>
+          <p:cNvPr id="13" name="Rectangle 12"/>
+          <p:cNvSpPr/>
+          <p:nvPr/>
+        </p:nvSpPr>
+        <p:spPr>
+          <a:xfrm>
+            <a:off x="3886200" y="2133600"/>
+            <a:ext cx="1752600" cy="1524000"/>
+          </a:xfrm>
+          <a:prstGeom prst="rect">
+            <a:avLst/>
+          </a:prstGeom>
+          <a:solidFill>
+            <a:srgbClr val="FFFF00"/>
+          </a:solidFill>
+          <a:ln>
+            <a:solidFill>
+              <a:srgbClr val="FFFF00"/>
+            </a:solidFill>
+          </a:ln>
+        </p:spPr>
+        <p:style>
+          <a:lnRef idx="2">
+            <a:schemeClr val="accent1">
+              <a:shade val="50000"/>
+            </a:schemeClr>
+          </a:lnRef>
+          <a:fillRef idx="1">
+            <a:schemeClr val="accent1"/>
+          </a:fillRef>
+          <a:effectRef idx="0">
+            <a:schemeClr val="accent1"/>
+          </a:effectRef>
+          <a:fontRef idx="minor">
+            <a:schemeClr val="lt1"/>
+          </a:fontRef>
+        </p:style>
+        <p:txBody>
+          <a:bodyPr rtlCol="0" anchor="ctr"/>
+          <a:lstStyle/>
+          <a:p>
+            <a:pPr algn="ctr"/>
+            <a:endParaRPr lang="en-US"/>
+          </a:p>
+        </p:txBody>
+      </p:sp>
+      <p:sp>
+        <p:nvSpPr>
+          <p:cNvPr id="14" name="Rectangle 13"/>
+          <p:cNvSpPr/>
+          <p:nvPr/>
+        </p:nvSpPr>
+        <p:spPr>
+          <a:xfrm>
+            <a:off x="5867400" y="2133600"/>
+            <a:ext cx="1752600" cy="1524000"/>
+          </a:xfrm>
+          <a:prstGeom prst="rect">
+            <a:avLst/>
+          </a:prstGeom>
+          <a:solidFill>
+            <a:srgbClr val="FF0000"/>
+          </a:solidFill>
+          <a:ln>
+            <a:solidFill>
+              <a:srgbClr val="FF0000"/>
+            </a:solidFill>
+          </a:ln>
+        </p:spPr>
+        <p:style>
+          <a:lnRef idx="2">
+            <a:schemeClr val="accent1">
+              <a:shade val="50000"/>
+            </a:schemeClr>
+          </a:lnRef>
+          <a:fillRef idx="1">
+            <a:schemeClr val="accent1"/>
+          </a:fillRef>
+          <a:effectRef idx="0">
+            <a:schemeClr val="accent1"/>
+          </a:effectRef>
+          <a:fontRef idx="minor">
+            <a:schemeClr val="lt1"/>
+          </a:fontRef>
+        </p:style>
+        <p:txBody>
+          <a:bodyPr rtlCol="0" anchor="ctr"/>
+          <a:lstStyle/>
+          <a:p>
+            <a:pPr algn="ctr"/>
+            <a:endParaRPr lang="en-US"/>
+          </a:p>
+        </p:txBody>
+      </p:sp>
+      <p:sp>
+        <p:nvSpPr>
+          <p:cNvPr id="15" name="Rectangle 14"/>
+          <p:cNvSpPr/>
+          <p:nvPr/>
+        </p:nvSpPr>
+        <p:spPr>
+          <a:xfrm>
+            <a:off x="5867400" y="381000"/>
+            <a:ext cx="1752600" cy="1524000"/>
+          </a:xfrm>
+          <a:prstGeom prst="rect">
+            <a:avLst/>
+          </a:prstGeom>
+          <a:solidFill>
+            <a:srgbClr val="FF0000"/>
+          </a:solidFill>
+          <a:ln>
+            <a:solidFill>
+              <a:srgbClr val="FF0000"/>
+            </a:solidFill>
+          </a:ln>
+        </p:spPr>
+        <p:style>
+          <a:lnRef idx="2">
+            <a:schemeClr val="accent1">
+              <a:shade val="50000"/>
+            </a:schemeClr>
+          </a:lnRef>
+          <a:fillRef idx="1">
+            <a:schemeClr val="accent1"/>
+          </a:fillRef>
+          <a:effectRef idx="0">
+            <a:schemeClr val="accent1"/>
+          </a:effectRef>
+          <a:fontRef idx="minor">
+            <a:schemeClr val="lt1"/>
+          </a:fontRef>
+        </p:style>
+        <p:txBody>
+          <a:bodyPr rtlCol="0" anchor="ctr"/>
+          <a:lstStyle/>
+          <a:p>
+            <a:pPr algn="ctr"/>
+            <a:endParaRPr lang="en-US"/>
+          </a:p>
+        </p:txBody>
+      </p:sp>
+      <p:sp>
+        <p:nvSpPr>
+          <p:cNvPr id="16" name="TextBox 15"/>
+          <p:cNvSpPr txBox="1"/>
+          <p:nvPr/>
+        </p:nvSpPr>
+        <p:spPr>
+          <a:xfrm>
+            <a:off x="6096000" y="533400"/>
+            <a:ext cx="1219200" cy="1077218"/>
+          </a:xfrm>
+          <a:prstGeom prst="rect">
+            <a:avLst/>
+          </a:prstGeom>
+          <a:noFill/>
+        </p:spPr>
+        <p:txBody>
+          <a:bodyPr wrap="square" rtlCol="0">
+            <a:spAutoFit/>
+          </a:bodyPr>
+          <a:lstStyle/>
+          <a:p>
+            <a:pPr algn="ctr"/>
+            <a:r>
+              <a:rPr lang="en-US" sz="3200" dirty="0" smtClean="0"/>
+              <a:t>High Risk</a:t>
+            </a:r>
+            <a:endParaRPr lang="en-US" sz="3200" dirty="0"/>
+          </a:p>
+        </p:txBody>
+      </p:sp>
+      <p:sp>
+        <p:nvSpPr>
+          <p:cNvPr id="17" name="TextBox 16"/>
+          <p:cNvSpPr txBox="1"/>
+          <p:nvPr/>
+        </p:nvSpPr>
+        <p:spPr>
+          <a:xfrm>
+            <a:off x="6096000" y="2351782"/>
+            <a:ext cx="1219200" cy="1077218"/>
+          </a:xfrm>
+          <a:prstGeom prst="rect">
+            <a:avLst/>
+          </a:prstGeom>
+          <a:noFill/>
+        </p:spPr>
+        <p:txBody>
+          <a:bodyPr wrap="square" rtlCol="0">
+            <a:spAutoFit/>
+          </a:bodyPr>
+          <a:lstStyle/>
+          <a:p>
+            <a:pPr algn="ctr"/>
+            <a:r>
+              <a:rPr lang="en-US" sz="3200" dirty="0" smtClean="0"/>
+              <a:t>High Risk</a:t>
+            </a:r>
+            <a:endParaRPr lang="en-US" sz="3200" dirty="0"/>
+          </a:p>
+        </p:txBody>
+      </p:sp>
+      <p:sp>
+        <p:nvSpPr>
+          <p:cNvPr id="18" name="TextBox 17"/>
+          <p:cNvSpPr txBox="1"/>
+          <p:nvPr/>
+        </p:nvSpPr>
+        <p:spPr>
+          <a:xfrm>
+            <a:off x="4114800" y="533400"/>
+            <a:ext cx="1219200" cy="1077218"/>
+          </a:xfrm>
+          <a:prstGeom prst="rect">
+            <a:avLst/>
+          </a:prstGeom>
+          <a:noFill/>
+        </p:spPr>
+        <p:txBody>
+          <a:bodyPr wrap="square" rtlCol="0">
+            <a:spAutoFit/>
+          </a:bodyPr>
+          <a:lstStyle/>
+          <a:p>
+            <a:pPr algn="ctr"/>
+            <a:r>
+              <a:rPr lang="en-US" sz="3200" dirty="0" smtClean="0"/>
+              <a:t>High Risk</a:t>
+            </a:r>
+            <a:endParaRPr lang="en-US" sz="3200" dirty="0"/>
+          </a:p>
+        </p:txBody>
+      </p:sp>
+      <p:sp>
+        <p:nvSpPr>
+          <p:cNvPr id="19" name="TextBox 18"/>
+          <p:cNvSpPr txBox="1"/>
+          <p:nvPr/>
+        </p:nvSpPr>
+        <p:spPr>
+          <a:xfrm>
+            <a:off x="4114800" y="4038600"/>
+            <a:ext cx="1219200" cy="1077218"/>
+          </a:xfrm>
+          <a:prstGeom prst="rect">
+            <a:avLst/>
+          </a:prstGeom>
+          <a:noFill/>
+        </p:spPr>
+        <p:txBody>
+          <a:bodyPr wrap="square" rtlCol="0">
+            <a:spAutoFit/>
+          </a:bodyPr>
+          <a:lstStyle/>
+          <a:p>
+            <a:pPr algn="ctr"/>
+            <a:r>
+              <a:rPr lang="en-US" sz="3200" dirty="0" smtClean="0"/>
+              <a:t>Low Risk</a:t>
+            </a:r>
+            <a:endParaRPr lang="en-US" sz="3200" dirty="0"/>
+          </a:p>
+        </p:txBody>
+      </p:sp>
+      <p:sp>
+        <p:nvSpPr>
+          <p:cNvPr id="20" name="TextBox 19"/>
+          <p:cNvSpPr txBox="1"/>
+          <p:nvPr/>
+        </p:nvSpPr>
+        <p:spPr>
+          <a:xfrm>
+            <a:off x="2133600" y="4038600"/>
+            <a:ext cx="1219200" cy="1077218"/>
+          </a:xfrm>
+          <a:prstGeom prst="rect">
+            <a:avLst/>
+          </a:prstGeom>
+          <a:noFill/>
+        </p:spPr>
+        <p:txBody>
+          <a:bodyPr wrap="square" rtlCol="0">
+            <a:spAutoFit/>
+          </a:bodyPr>
+          <a:lstStyle/>
+          <a:p>
+            <a:pPr algn="ctr"/>
+            <a:r>
+              <a:rPr lang="en-US" sz="3200" dirty="0" smtClean="0"/>
+              <a:t>Low Risk</a:t>
+            </a:r>
+            <a:endParaRPr lang="en-US" sz="3200" dirty="0"/>
+          </a:p>
+        </p:txBody>
+      </p:sp>
+      <p:sp>
+        <p:nvSpPr>
+          <p:cNvPr id="21" name="TextBox 20"/>
+          <p:cNvSpPr txBox="1"/>
+          <p:nvPr/>
+        </p:nvSpPr>
+        <p:spPr>
+          <a:xfrm>
+            <a:off x="2133600" y="2275582"/>
+            <a:ext cx="1219200" cy="1077218"/>
+          </a:xfrm>
+          <a:prstGeom prst="rect">
+            <a:avLst/>
+          </a:prstGeom>
+          <a:noFill/>
+        </p:spPr>
+        <p:txBody>
+          <a:bodyPr wrap="square" rtlCol="0">
+            <a:spAutoFit/>
+          </a:bodyPr>
+          <a:lstStyle/>
+          <a:p>
+            <a:pPr algn="ctr"/>
+            <a:r>
+              <a:rPr lang="en-US" sz="3200" dirty="0" smtClean="0"/>
+              <a:t>Low Risk</a:t>
+            </a:r>
+            <a:endParaRPr lang="en-US" sz="3200" dirty="0"/>
+          </a:p>
+        </p:txBody>
+      </p:sp>
+      <p:sp>
+        <p:nvSpPr>
+          <p:cNvPr id="22" name="TextBox 21"/>
+          <p:cNvSpPr txBox="1"/>
+          <p:nvPr/>
+        </p:nvSpPr>
+        <p:spPr>
+          <a:xfrm>
+            <a:off x="4114800" y="2286000"/>
+            <a:ext cx="1219200" cy="1077218"/>
+          </a:xfrm>
+          <a:prstGeom prst="rect">
+            <a:avLst/>
+          </a:prstGeom>
+          <a:noFill/>
+        </p:spPr>
+        <p:txBody>
+          <a:bodyPr wrap="square" rtlCol="0">
+            <a:spAutoFit/>
+          </a:bodyPr>
+          <a:lstStyle/>
+          <a:p>
+            <a:pPr algn="ctr"/>
+            <a:r>
+              <a:rPr lang="en-US" sz="3200" dirty="0" smtClean="0"/>
+              <a:t>Med Risk</a:t>
+            </a:r>
+            <a:endParaRPr lang="en-US" sz="3200" dirty="0"/>
+          </a:p>
+        </p:txBody>
+      </p:sp>
+      <p:sp>
+        <p:nvSpPr>
+          <p:cNvPr id="23" name="TextBox 22"/>
+          <p:cNvSpPr txBox="1"/>
+          <p:nvPr/>
+        </p:nvSpPr>
+        <p:spPr>
+          <a:xfrm>
+            <a:off x="2133600" y="533400"/>
+            <a:ext cx="1219200" cy="1077218"/>
+          </a:xfrm>
+          <a:prstGeom prst="rect">
+            <a:avLst/>
+          </a:prstGeom>
+          <a:noFill/>
+        </p:spPr>
+        <p:txBody>
+          <a:bodyPr wrap="square" rtlCol="0">
+            <a:spAutoFit/>
+          </a:bodyPr>
+          <a:lstStyle/>
+          <a:p>
+            <a:pPr algn="ctr"/>
+            <a:r>
+              <a:rPr lang="en-US" sz="3200" dirty="0" smtClean="0"/>
+              <a:t>Med Risk</a:t>
+            </a:r>
+            <a:endParaRPr lang="en-US" sz="3200" dirty="0"/>
+          </a:p>
+        </p:txBody>
+      </p:sp>
+      <p:sp>
+        <p:nvSpPr>
+          <p:cNvPr id="24" name="TextBox 23"/>
+          <p:cNvSpPr txBox="1"/>
+          <p:nvPr/>
+        </p:nvSpPr>
+        <p:spPr>
+          <a:xfrm>
+            <a:off x="6096000" y="4038600"/>
+            <a:ext cx="1219200" cy="1077218"/>
+          </a:xfrm>
+          <a:prstGeom prst="rect">
+            <a:avLst/>
+          </a:prstGeom>
+          <a:noFill/>
+        </p:spPr>
+        <p:txBody>
+          <a:bodyPr wrap="square" rtlCol="0">
+            <a:spAutoFit/>
+          </a:bodyPr>
+          <a:lstStyle/>
+          <a:p>
+            <a:pPr algn="ctr"/>
+            <a:r>
+              <a:rPr lang="en-US" sz="3200" dirty="0" smtClean="0"/>
+              <a:t>Med Risk</a:t>
+            </a:r>
+            <a:endParaRPr lang="en-US" sz="3200" dirty="0"/>
+          </a:p>
+        </p:txBody>
+      </p:sp>
     </p:spTree>
   </p:cSld>
   <p:clrMapOvr>
@@ -35914,7 +36742,7 @@
           <a:p>
             <a:r>
               <a:rPr lang="en-US" dirty="0" smtClean="0"/>
-              <a:t>Maintain assessment over time</a:t>
+              <a:t>Communicate results to key personnel</a:t>
             </a:r>
             <a:endParaRPr lang="en-US" dirty="0"/>
           </a:p>
@@ -35937,21 +36765,14 @@
           <a:p>
             <a:r>
               <a:rPr lang="en-US" dirty="0" smtClean="0"/>
-              <a:t>Ongoing monitoring of risk factors that contribute to changes in risk </a:t>
-            </a:r>
-          </a:p>
-          <a:p>
-            <a:r>
-              <a:rPr lang="en-US" dirty="0" smtClean="0"/>
-              <a:t>Update existing assessment using the results from monitoring of risk factors</a:t>
-            </a:r>
-            <a:endParaRPr lang="en-US" dirty="0"/>
+              <a:t>Communicate results to decision makers to support risk responses.</a:t>
+            </a:r>
           </a:p>
         </p:txBody>
       </p:sp>
       <p:pic>
         <p:nvPicPr>
-          <p:cNvPr id="25608" name="Picture 8" descr="http://farm4.static.flickr.com/3608/3450663121_eb8542888e.jpg"/>
+          <p:cNvPr id="27650" name="Picture 2" descr="C:\Users\conrad.reynolds\AppData\Local\Microsoft\Windows\Temporary Internet Files\Content.IE5\EU948WDX\MC900233413[1].wmf"/>
           <p:cNvPicPr>
             <a:picLocks noChangeAspect="1" noChangeArrowheads="1"/>
           </p:cNvPicPr>
@@ -35966,8 +36787,8 @@
         </p:blipFill>
         <p:spPr bwMode="auto">
           <a:xfrm>
-            <a:off x="4552950" y="4410075"/>
-            <a:ext cx="3905250" cy="1990725"/>
+            <a:off x="1752600" y="3733800"/>
+            <a:ext cx="2302598" cy="2445945"/>
           </a:xfrm>
           <a:prstGeom prst="rect">
             <a:avLst/>
@@ -36019,37 +36840,74 @@
         </p:nvSpPr>
         <p:spPr/>
         <p:txBody>
-          <a:bodyPr/>
+          <a:bodyPr>
+            <a:normAutofit/>
+          </a:bodyPr>
           <a:lstStyle/>
           <a:p>
             <a:r>
               <a:rPr lang="en-US" dirty="0" smtClean="0"/>
-              <a:t>Managing risk (NIST)</a:t>
+              <a:t>Maintain assessment over time</a:t>
             </a:r>
             <a:endParaRPr lang="en-US" dirty="0"/>
           </a:p>
         </p:txBody>
       </p:sp>
-      <p:graphicFrame>
-        <p:nvGraphicFramePr>
-          <p:cNvPr id="7" name="Content Placeholder 6"/>
-          <p:cNvGraphicFramePr>
-            <a:graphicFrameLocks noGrp="1"/>
-          </p:cNvGraphicFramePr>
+      <p:sp>
+        <p:nvSpPr>
+          <p:cNvPr id="3" name="Content Placeholder 2"/>
+          <p:cNvSpPr>
+            <a:spLocks noGrp="1"/>
+          </p:cNvSpPr>
           <p:nvPr>
             <p:ph idx="1"/>
           </p:nvPr>
-        </p:nvGraphicFramePr>
-        <p:xfrm>
-          <a:off x="457200" y="2362200"/>
-          <a:ext cx="8229600" cy="3763963"/>
-        </p:xfrm>
-        <a:graphic>
-          <a:graphicData uri="http://schemas.openxmlformats.org/drawingml/2006/diagram">
-            <dgm:relIds xmlns:dgm="http://schemas.openxmlformats.org/drawingml/2006/diagram" xmlns:r="http://schemas.openxmlformats.org/officeDocument/2006/relationships" r:dm="rId3" r:lo="rId4" r:qs="rId5" r:cs="rId6"/>
-          </a:graphicData>
-        </a:graphic>
-      </p:graphicFrame>
+        </p:nvSpPr>
+        <p:spPr/>
+        <p:txBody>
+          <a:bodyPr/>
+          <a:lstStyle/>
+          <a:p>
+            <a:r>
+              <a:rPr lang="en-US" dirty="0" smtClean="0"/>
+              <a:t>Ongoing monitoring of risk factors that contribute to changes in risk </a:t>
+            </a:r>
+          </a:p>
+          <a:p>
+            <a:r>
+              <a:rPr lang="en-US" dirty="0" smtClean="0"/>
+              <a:t>Update existing assessment using the results from monitoring of risk factors</a:t>
+            </a:r>
+            <a:endParaRPr lang="en-US" dirty="0"/>
+          </a:p>
+        </p:txBody>
+      </p:sp>
+      <p:pic>
+        <p:nvPicPr>
+          <p:cNvPr id="25608" name="Picture 8" descr="http://farm4.static.flickr.com/3608/3450663121_eb8542888e.jpg"/>
+          <p:cNvPicPr>
+            <a:picLocks noChangeAspect="1" noChangeArrowheads="1"/>
+          </p:cNvPicPr>
+          <p:nvPr/>
+        </p:nvPicPr>
+        <p:blipFill>
+          <a:blip r:embed="rId3" cstate="print"/>
+          <a:srcRect/>
+          <a:stretch>
+            <a:fillRect/>
+          </a:stretch>
+        </p:blipFill>
+        <p:spPr bwMode="auto">
+          <a:xfrm>
+            <a:off x="4552950" y="4410075"/>
+            <a:ext cx="3905250" cy="1990725"/>
+          </a:xfrm>
+          <a:prstGeom prst="rect">
+            <a:avLst/>
+          </a:prstGeom>
+          <a:noFill/>
+        </p:spPr>
+      </p:pic>
     </p:spTree>
   </p:cSld>
   <p:clrMapOvr>
@@ -36094,69 +36952,37 @@
         </p:nvSpPr>
         <p:spPr/>
         <p:txBody>
-          <a:bodyPr>
-            <a:normAutofit/>
-          </a:bodyPr>
+          <a:bodyPr/>
           <a:lstStyle/>
           <a:p>
             <a:r>
-              <a:rPr lang="en-US" baseline="0" dirty="0" smtClean="0"/>
-              <a:t>Respond to risk</a:t>
+              <a:rPr lang="en-US" dirty="0" smtClean="0"/>
+              <a:t>Managing risk (NIST)</a:t>
             </a:r>
             <a:endParaRPr lang="en-US" dirty="0"/>
           </a:p>
         </p:txBody>
       </p:sp>
-      <p:sp>
-        <p:nvSpPr>
-          <p:cNvPr id="3" name="Content Placeholder 2"/>
-          <p:cNvSpPr>
-            <a:spLocks noGrp="1"/>
-          </p:cNvSpPr>
+      <p:graphicFrame>
+        <p:nvGraphicFramePr>
+          <p:cNvPr id="7" name="Content Placeholder 6"/>
+          <p:cNvGraphicFramePr>
+            <a:graphicFrameLocks noGrp="1"/>
+          </p:cNvGraphicFramePr>
           <p:nvPr>
             <p:ph idx="1"/>
           </p:nvPr>
-        </p:nvSpPr>
-        <p:spPr/>
-        <p:txBody>
-          <a:bodyPr/>
-          <a:lstStyle/>
-          <a:p>
-            <a:pPr lvl="0"/>
-            <a:r>
-              <a:rPr lang="en-US" dirty="0" smtClean="0"/>
-              <a:t>What are we going to do with this information?</a:t>
-            </a:r>
-            <a:endParaRPr lang="en-US" dirty="0"/>
-          </a:p>
-        </p:txBody>
-      </p:sp>
-      <p:pic>
-        <p:nvPicPr>
-          <p:cNvPr id="8194" name="Picture 2" descr="http://pad3.whstatic.com/images/thumb/4/46/Use-a-Hammer-Safely-Step-6.jpg/550px-Use-a-Hammer-Safely-Step-6.jpg"/>
-          <p:cNvPicPr>
-            <a:picLocks noChangeAspect="1" noChangeArrowheads="1"/>
-          </p:cNvPicPr>
-          <p:nvPr/>
-        </p:nvPicPr>
-        <p:blipFill>
-          <a:blip r:embed="rId3" cstate="print"/>
-          <a:srcRect/>
-          <a:stretch>
-            <a:fillRect/>
-          </a:stretch>
-        </p:blipFill>
-        <p:spPr bwMode="auto">
-          <a:xfrm>
-            <a:off x="1733550" y="3305175"/>
-            <a:ext cx="3905250" cy="3019425"/>
-          </a:xfrm>
-          <a:prstGeom prst="rect">
-            <a:avLst/>
-          </a:prstGeom>
-          <a:noFill/>
-        </p:spPr>
-      </p:pic>
+        </p:nvGraphicFramePr>
+        <p:xfrm>
+          <a:off x="457200" y="2362200"/>
+          <a:ext cx="8229600" cy="3763963"/>
+        </p:xfrm>
+        <a:graphic>
+          <a:graphicData uri="http://schemas.openxmlformats.org/drawingml/2006/diagram">
+            <dgm:relIds xmlns:dgm="http://schemas.openxmlformats.org/drawingml/2006/diagram" xmlns:r="http://schemas.openxmlformats.org/officeDocument/2006/relationships" r:dm="rId3" r:lo="rId4" r:qs="rId5" r:cs="rId6"/>
+          </a:graphicData>
+        </a:graphic>
+      </p:graphicFrame>
     </p:spTree>
   </p:cSld>
   <p:clrMapOvr>
@@ -36206,6 +37032,113 @@
           </a:bodyPr>
           <a:lstStyle/>
           <a:p>
+            <a:r>
+              <a:rPr lang="en-US" baseline="0" dirty="0" smtClean="0"/>
+              <a:t>Respond to risk</a:t>
+            </a:r>
+            <a:endParaRPr lang="en-US" dirty="0"/>
+          </a:p>
+        </p:txBody>
+      </p:sp>
+      <p:sp>
+        <p:nvSpPr>
+          <p:cNvPr id="3" name="Content Placeholder 2"/>
+          <p:cNvSpPr>
+            <a:spLocks noGrp="1"/>
+          </p:cNvSpPr>
+          <p:nvPr>
+            <p:ph idx="1"/>
+          </p:nvPr>
+        </p:nvSpPr>
+        <p:spPr/>
+        <p:txBody>
+          <a:bodyPr/>
+          <a:lstStyle/>
+          <a:p>
+            <a:pPr lvl="0"/>
+            <a:r>
+              <a:rPr lang="en-US" dirty="0" smtClean="0"/>
+              <a:t>What are we going to do with this information?</a:t>
+            </a:r>
+            <a:endParaRPr lang="en-US" dirty="0"/>
+          </a:p>
+        </p:txBody>
+      </p:sp>
+      <p:pic>
+        <p:nvPicPr>
+          <p:cNvPr id="8194" name="Picture 2" descr="http://pad3.whstatic.com/images/thumb/4/46/Use-a-Hammer-Safely-Step-6.jpg/550px-Use-a-Hammer-Safely-Step-6.jpg"/>
+          <p:cNvPicPr>
+            <a:picLocks noChangeAspect="1" noChangeArrowheads="1"/>
+          </p:cNvPicPr>
+          <p:nvPr/>
+        </p:nvPicPr>
+        <p:blipFill>
+          <a:blip r:embed="rId3" cstate="print"/>
+          <a:srcRect/>
+          <a:stretch>
+            <a:fillRect/>
+          </a:stretch>
+        </p:blipFill>
+        <p:spPr bwMode="auto">
+          <a:xfrm>
+            <a:off x="1733550" y="3305175"/>
+            <a:ext cx="3905250" cy="3019425"/>
+          </a:xfrm>
+          <a:prstGeom prst="rect">
+            <a:avLst/>
+          </a:prstGeom>
+          <a:noFill/>
+        </p:spPr>
+      </p:pic>
+    </p:spTree>
+  </p:cSld>
+  <p:clrMapOvr>
+    <a:masterClrMapping/>
+  </p:clrMapOvr>
+  <p:timing>
+    <p:tnLst>
+      <p:par>
+        <p:cTn id="1" dur="indefinite" restart="never" nodeType="tmRoot"/>
+      </p:par>
+    </p:tnLst>
+  </p:timing>
+</p:sld>
+</file>
+
+<file path=ppt/slides/slide26.xml><?xml version="1.0" encoding="utf-8"?>
+<p:sld xmlns:a="http://schemas.openxmlformats.org/drawingml/2006/main" xmlns:r="http://schemas.openxmlformats.org/officeDocument/2006/relationships" xmlns:p="http://schemas.openxmlformats.org/presentationml/2006/main">
+  <p:cSld>
+    <p:spTree>
+      <p:nvGrpSpPr>
+        <p:cNvPr id="1" name=""/>
+        <p:cNvGrpSpPr/>
+        <p:nvPr/>
+      </p:nvGrpSpPr>
+      <p:grpSpPr>
+        <a:xfrm>
+          <a:off x="0" y="0"/>
+          <a:ext cx="0" cy="0"/>
+          <a:chOff x="0" y="0"/>
+          <a:chExt cx="0" cy="0"/>
+        </a:xfrm>
+      </p:grpSpPr>
+      <p:sp>
+        <p:nvSpPr>
+          <p:cNvPr id="2" name="Title 1"/>
+          <p:cNvSpPr>
+            <a:spLocks noGrp="1"/>
+          </p:cNvSpPr>
+          <p:nvPr>
+            <p:ph type="title"/>
+          </p:nvPr>
+        </p:nvSpPr>
+        <p:spPr/>
+        <p:txBody>
+          <a:bodyPr>
+            <a:normAutofit/>
+          </a:bodyPr>
+          <a:lstStyle/>
+          <a:p>
             <a:pPr lvl="0"/>
             <a:r>
               <a:rPr lang="en-US" dirty="0" smtClean="0"/>
@@ -36374,7 +37307,7 @@
 </p:sld>
 </file>
 
-<file path=ppt/slides/slide26.xml><?xml version="1.0" encoding="utf-8"?>
+<file path=ppt/slides/slide27.xml><?xml version="1.0" encoding="utf-8"?>
 <p:sld xmlns:a="http://schemas.openxmlformats.org/drawingml/2006/main" xmlns:r="http://schemas.openxmlformats.org/officeDocument/2006/relationships" xmlns:p="http://schemas.openxmlformats.org/presentationml/2006/main">
   <p:cSld>
     <p:spTree>
@@ -36507,7 +37440,7 @@
 </p:sld>
 </file>
 
-<file path=ppt/slides/slide27.xml><?xml version="1.0" encoding="utf-8"?>
+<file path=ppt/slides/slide28.xml><?xml version="1.0" encoding="utf-8"?>
 <p:sld xmlns:a="http://schemas.openxmlformats.org/drawingml/2006/main" xmlns:r="http://schemas.openxmlformats.org/officeDocument/2006/relationships" xmlns:p="http://schemas.openxmlformats.org/presentationml/2006/main">
   <p:cSld>
     <p:spTree>
@@ -36590,7 +37523,7 @@
 </p:sld>
 </file>
 
-<file path=ppt/slides/slide28.xml><?xml version="1.0" encoding="utf-8"?>
+<file path=ppt/slides/slide29.xml><?xml version="1.0" encoding="utf-8"?>
 <p:sld xmlns:a="http://schemas.openxmlformats.org/drawingml/2006/main" xmlns:r="http://schemas.openxmlformats.org/officeDocument/2006/relationships" xmlns:p="http://schemas.openxmlformats.org/presentationml/2006/main">
   <p:cSld>
     <p:spTree>
@@ -37136,87 +38069,6 @@
 </p:sld>
 </file>
 
-<file path=ppt/slides/slide29.xml><?xml version="1.0" encoding="utf-8"?>
-<p:sld xmlns:a="http://schemas.openxmlformats.org/drawingml/2006/main" xmlns:r="http://schemas.openxmlformats.org/officeDocument/2006/relationships" xmlns:p="http://schemas.openxmlformats.org/presentationml/2006/main">
-  <p:cSld>
-    <p:spTree>
-      <p:nvGrpSpPr>
-        <p:cNvPr id="1" name=""/>
-        <p:cNvGrpSpPr/>
-        <p:nvPr/>
-      </p:nvGrpSpPr>
-      <p:grpSpPr>
-        <a:xfrm>
-          <a:off x="0" y="0"/>
-          <a:ext cx="0" cy="0"/>
-          <a:chOff x="0" y="0"/>
-          <a:chExt cx="0" cy="0"/>
-        </a:xfrm>
-      </p:grpSpPr>
-      <p:sp>
-        <p:nvSpPr>
-          <p:cNvPr id="2" name="Title 1"/>
-          <p:cNvSpPr>
-            <a:spLocks noGrp="1"/>
-          </p:cNvSpPr>
-          <p:nvPr>
-            <p:ph type="title"/>
-          </p:nvPr>
-        </p:nvSpPr>
-        <p:spPr/>
-        <p:txBody>
-          <a:bodyPr/>
-          <a:lstStyle/>
-          <a:p>
-            <a:r>
-              <a:rPr lang="en-US" dirty="0" smtClean="0"/>
-              <a:t>What can go right?</a:t>
-            </a:r>
-            <a:endParaRPr lang="en-US" dirty="0"/>
-          </a:p>
-        </p:txBody>
-      </p:sp>
-      <p:pic>
-        <p:nvPicPr>
-          <p:cNvPr id="99330" name="Picture 2" descr="http://cdn-static.denofgeek.com/sites/denofgeek/files/images/9863.jpg"/>
-          <p:cNvPicPr>
-            <a:picLocks noChangeAspect="1" noChangeArrowheads="1"/>
-          </p:cNvPicPr>
-          <p:nvPr/>
-        </p:nvPicPr>
-        <p:blipFill>
-          <a:blip r:embed="rId3" cstate="print"/>
-          <a:srcRect/>
-          <a:stretch>
-            <a:fillRect/>
-          </a:stretch>
-        </p:blipFill>
-        <p:spPr bwMode="auto">
-          <a:xfrm>
-            <a:off x="1581150" y="2105025"/>
-            <a:ext cx="5734050" cy="4295775"/>
-          </a:xfrm>
-          <a:prstGeom prst="rect">
-            <a:avLst/>
-          </a:prstGeom>
-          <a:noFill/>
-        </p:spPr>
-      </p:pic>
-    </p:spTree>
-  </p:cSld>
-  <p:clrMapOvr>
-    <a:masterClrMapping/>
-  </p:clrMapOvr>
-  <p:timing>
-    <p:tnLst>
-      <p:par>
-        <p:cTn id="1" dur="indefinite" restart="never" nodeType="tmRoot"/>
-      </p:par>
-    </p:tnLst>
-  </p:timing>
-</p:sld>
-</file>
-
 <file path=ppt/slides/slide3.xml><?xml version="1.0" encoding="utf-8"?>
 <p:sld xmlns:a="http://schemas.openxmlformats.org/drawingml/2006/main" xmlns:r="http://schemas.openxmlformats.org/officeDocument/2006/relationships" xmlns:p="http://schemas.openxmlformats.org/presentationml/2006/main">
   <p:cSld>
@@ -37289,6 +38141,87 @@
     <a:masterClrMapping/>
   </p:clrMapOvr>
   <p:transition/>
+  <p:timing>
+    <p:tnLst>
+      <p:par>
+        <p:cTn id="1" dur="indefinite" restart="never" nodeType="tmRoot"/>
+      </p:par>
+    </p:tnLst>
+  </p:timing>
+</p:sld>
+</file>
+
+<file path=ppt/slides/slide30.xml><?xml version="1.0" encoding="utf-8"?>
+<p:sld xmlns:a="http://schemas.openxmlformats.org/drawingml/2006/main" xmlns:r="http://schemas.openxmlformats.org/officeDocument/2006/relationships" xmlns:p="http://schemas.openxmlformats.org/presentationml/2006/main">
+  <p:cSld>
+    <p:spTree>
+      <p:nvGrpSpPr>
+        <p:cNvPr id="1" name=""/>
+        <p:cNvGrpSpPr/>
+        <p:nvPr/>
+      </p:nvGrpSpPr>
+      <p:grpSpPr>
+        <a:xfrm>
+          <a:off x="0" y="0"/>
+          <a:ext cx="0" cy="0"/>
+          <a:chOff x="0" y="0"/>
+          <a:chExt cx="0" cy="0"/>
+        </a:xfrm>
+      </p:grpSpPr>
+      <p:sp>
+        <p:nvSpPr>
+          <p:cNvPr id="2" name="Title 1"/>
+          <p:cNvSpPr>
+            <a:spLocks noGrp="1"/>
+          </p:cNvSpPr>
+          <p:nvPr>
+            <p:ph type="title"/>
+          </p:nvPr>
+        </p:nvSpPr>
+        <p:spPr/>
+        <p:txBody>
+          <a:bodyPr/>
+          <a:lstStyle/>
+          <a:p>
+            <a:r>
+              <a:rPr lang="en-US" dirty="0" smtClean="0"/>
+              <a:t>What can go right?</a:t>
+            </a:r>
+            <a:endParaRPr lang="en-US" dirty="0"/>
+          </a:p>
+        </p:txBody>
+      </p:sp>
+      <p:pic>
+        <p:nvPicPr>
+          <p:cNvPr id="99330" name="Picture 2" descr="http://cdn-static.denofgeek.com/sites/denofgeek/files/images/9863.jpg"/>
+          <p:cNvPicPr>
+            <a:picLocks noChangeAspect="1" noChangeArrowheads="1"/>
+          </p:cNvPicPr>
+          <p:nvPr/>
+        </p:nvPicPr>
+        <p:blipFill>
+          <a:blip r:embed="rId3" cstate="print"/>
+          <a:srcRect/>
+          <a:stretch>
+            <a:fillRect/>
+          </a:stretch>
+        </p:blipFill>
+        <p:spPr bwMode="auto">
+          <a:xfrm>
+            <a:off x="1581150" y="2105025"/>
+            <a:ext cx="5734050" cy="4295775"/>
+          </a:xfrm>
+          <a:prstGeom prst="rect">
+            <a:avLst/>
+          </a:prstGeom>
+          <a:noFill/>
+        </p:spPr>
+      </p:pic>
+    </p:spTree>
+  </p:cSld>
+  <p:clrMapOvr>
+    <a:masterClrMapping/>
+  </p:clrMapOvr>
   <p:timing>
     <p:tnLst>
       <p:par>
@@ -39634,11 +40567,15 @@
           <a:p>
             <a:r>
               <a:rPr lang="en-US" dirty="0" smtClean="0"/>
-              <a:t>Step 1: Prepare</a:t>
+              <a:t>Prepare</a:t>
             </a:r>
             <a:r>
               <a:rPr lang="en-US" baseline="0" dirty="0" smtClean="0"/>
-              <a:t> for the assessment</a:t>
+              <a:t> </a:t>
+            </a:r>
+            <a:r>
+              <a:rPr lang="en-US" baseline="0" dirty="0" smtClean="0"/>
+              <a:t>for the assessment</a:t>
             </a:r>
             <a:endParaRPr lang="en-US" dirty="0"/>
           </a:p>
